--- a/notes8-ocaml.pptx
+++ b/notes8-ocaml.pptx
@@ -22,6 +22,9 @@
     <p:sldId id="271" r:id="rId17"/>
     <p:sldId id="272" r:id="rId18"/>
     <p:sldId id="273" r:id="rId19"/>
+    <p:sldId id="274" r:id="rId20"/>
+    <p:sldId id="275" r:id="rId21"/>
+    <p:sldId id="276" r:id="rId22"/>
   </p:sldIdLst>
   <p:sldSz cx="12192000" cy="6858000"/>
   <p:notesSz cx="6858000" cy="9144000"/>
@@ -3676,6 +3679,64 @@
             <a:spLocks noGrp="1"/>
           </p:cNvSpPr>
           <p:nvPr>
+            <p:ph type="ctrTitle"/>
+          </p:nvPr>
+        </p:nvSpPr>
+        <p:spPr/>
+        <p:txBody>
+          <a:bodyPr/>
+          <a:p>
+            <a:r>
+              <a:rPr lang="en-US"/>
+              <a:t>Variables and Functions</a:t>
+            </a:r>
+            <a:endParaRPr lang="en-US"/>
+          </a:p>
+        </p:txBody>
+      </p:sp>
+      <p:sp>
+        <p:nvSpPr>
+          <p:cNvPr id="4" name="Subtitle 3"/>
+          <p:cNvSpPr>
+            <a:spLocks noGrp="1"/>
+          </p:cNvSpPr>
+          <p:nvPr>
+            <p:ph type="subTitle" idx="1"/>
+          </p:nvPr>
+        </p:nvSpPr>
+        <p:spPr/>
+        <p:txBody>
+          <a:bodyPr/>
+          <a:p>
+            <a:endParaRPr lang="en-US"/>
+          </a:p>
+        </p:txBody>
+      </p:sp>
+    </p:spTree>
+  </p:cSld>
+  <p:clrMapOvr>
+    <a:masterClrMapping/>
+  </p:clrMapOvr>
+</p:sld>
+</file>
+
+<file path=ppt/slides/slide18.xml><?xml version="1.0" encoding="utf-8"?>
+<p:sld xmlns:a="http://schemas.openxmlformats.org/drawingml/2006/main" xmlns:r="http://schemas.openxmlformats.org/officeDocument/2006/relationships" xmlns:p="http://schemas.openxmlformats.org/presentationml/2006/main">
+  <p:cSld>
+    <p:spTree>
+      <p:nvGrpSpPr>
+        <p:cNvPr id="1" name=""/>
+        <p:cNvGrpSpPr/>
+        <p:nvPr/>
+      </p:nvGrpSpPr>
+      <p:grpSpPr/>
+      <p:sp>
+        <p:nvSpPr>
+          <p:cNvPr id="2" name="Title 1"/>
+          <p:cNvSpPr>
+            <a:spLocks noGrp="1"/>
+          </p:cNvSpPr>
+          <p:nvPr>
             <p:ph type="title"/>
           </p:nvPr>
         </p:nvSpPr>
@@ -3695,6 +3756,64 @@
           </p:cNvSpPr>
           <p:nvPr>
             <p:ph idx="1"/>
+          </p:nvPr>
+        </p:nvSpPr>
+        <p:spPr/>
+        <p:txBody>
+          <a:bodyPr/>
+          <a:p>
+            <a:endParaRPr lang="en-US"/>
+          </a:p>
+        </p:txBody>
+      </p:sp>
+    </p:spTree>
+  </p:cSld>
+  <p:clrMapOvr>
+    <a:masterClrMapping/>
+  </p:clrMapOvr>
+</p:sld>
+</file>
+
+<file path=ppt/slides/slide19.xml><?xml version="1.0" encoding="utf-8"?>
+<p:sld xmlns:a="http://schemas.openxmlformats.org/drawingml/2006/main" xmlns:r="http://schemas.openxmlformats.org/officeDocument/2006/relationships" xmlns:p="http://schemas.openxmlformats.org/presentationml/2006/main">
+  <p:cSld>
+    <p:spTree>
+      <p:nvGrpSpPr>
+        <p:cNvPr id="1" name=""/>
+        <p:cNvGrpSpPr/>
+        <p:nvPr/>
+      </p:nvGrpSpPr>
+      <p:grpSpPr/>
+      <p:sp>
+        <p:nvSpPr>
+          <p:cNvPr id="2" name="Title 1"/>
+          <p:cNvSpPr>
+            <a:spLocks noGrp="1"/>
+          </p:cNvSpPr>
+          <p:nvPr>
+            <p:ph type="ctrTitle"/>
+          </p:nvPr>
+        </p:nvSpPr>
+        <p:spPr/>
+        <p:txBody>
+          <a:bodyPr/>
+          <a:p>
+            <a:r>
+              <a:rPr lang="en-US"/>
+              <a:t>Lists and Patterns</a:t>
+            </a:r>
+            <a:endParaRPr lang="en-US"/>
+          </a:p>
+        </p:txBody>
+      </p:sp>
+      <p:sp>
+        <p:nvSpPr>
+          <p:cNvPr id="4" name="Subtitle 3"/>
+          <p:cNvSpPr>
+            <a:spLocks noGrp="1"/>
+          </p:cNvSpPr>
+          <p:nvPr>
+            <p:ph type="subTitle" idx="1"/>
           </p:nvPr>
         </p:nvSpPr>
         <p:spPr/>
@@ -3753,6 +3872,60 @@
           </p:cNvSpPr>
           <p:nvPr>
             <p:ph type="subTitle" idx="1"/>
+          </p:nvPr>
+        </p:nvSpPr>
+        <p:spPr/>
+        <p:txBody>
+          <a:bodyPr/>
+          <a:p>
+            <a:endParaRPr lang="en-US"/>
+          </a:p>
+        </p:txBody>
+      </p:sp>
+    </p:spTree>
+  </p:cSld>
+  <p:clrMapOvr>
+    <a:masterClrMapping/>
+  </p:clrMapOvr>
+</p:sld>
+</file>
+
+<file path=ppt/slides/slide20.xml><?xml version="1.0" encoding="utf-8"?>
+<p:sld xmlns:a="http://schemas.openxmlformats.org/drawingml/2006/main" xmlns:r="http://schemas.openxmlformats.org/officeDocument/2006/relationships" xmlns:p="http://schemas.openxmlformats.org/presentationml/2006/main">
+  <p:cSld>
+    <p:spTree>
+      <p:nvGrpSpPr>
+        <p:cNvPr id="1" name=""/>
+        <p:cNvGrpSpPr/>
+        <p:nvPr/>
+      </p:nvGrpSpPr>
+      <p:grpSpPr/>
+      <p:sp>
+        <p:nvSpPr>
+          <p:cNvPr id="2" name="Title 1"/>
+          <p:cNvSpPr>
+            <a:spLocks noGrp="1"/>
+          </p:cNvSpPr>
+          <p:nvPr>
+            <p:ph type="title"/>
+          </p:nvPr>
+        </p:nvSpPr>
+        <p:spPr/>
+        <p:txBody>
+          <a:bodyPr/>
+          <a:p>
+            <a:endParaRPr lang="en-US"/>
+          </a:p>
+        </p:txBody>
+      </p:sp>
+      <p:sp>
+        <p:nvSpPr>
+          <p:cNvPr id="3" name="Content Placeholder 2"/>
+          <p:cNvSpPr>
+            <a:spLocks noGrp="1"/>
+          </p:cNvSpPr>
+          <p:nvPr>
+            <p:ph idx="1"/>
           </p:nvPr>
         </p:nvSpPr>
         <p:spPr/>

--- a/notes8-ocaml.pptx
+++ b/notes8-ocaml.pptx
@@ -25,6 +25,32 @@
     <p:sldId id="274" r:id="rId20"/>
     <p:sldId id="275" r:id="rId21"/>
     <p:sldId id="276" r:id="rId22"/>
+    <p:sldId id="277" r:id="rId23"/>
+    <p:sldId id="278" r:id="rId24"/>
+    <p:sldId id="280" r:id="rId25"/>
+    <p:sldId id="279" r:id="rId26"/>
+    <p:sldId id="281" r:id="rId27"/>
+    <p:sldId id="282" r:id="rId28"/>
+    <p:sldId id="283" r:id="rId29"/>
+    <p:sldId id="284" r:id="rId30"/>
+    <p:sldId id="285" r:id="rId31"/>
+    <p:sldId id="286" r:id="rId32"/>
+    <p:sldId id="287" r:id="rId33"/>
+    <p:sldId id="288" r:id="rId34"/>
+    <p:sldId id="289" r:id="rId35"/>
+    <p:sldId id="290" r:id="rId36"/>
+    <p:sldId id="291" r:id="rId37"/>
+    <p:sldId id="292" r:id="rId38"/>
+    <p:sldId id="293" r:id="rId39"/>
+    <p:sldId id="294" r:id="rId40"/>
+    <p:sldId id="295" r:id="rId41"/>
+    <p:sldId id="297" r:id="rId42"/>
+    <p:sldId id="298" r:id="rId43"/>
+    <p:sldId id="299" r:id="rId44"/>
+    <p:sldId id="300" r:id="rId45"/>
+    <p:sldId id="301" r:id="rId46"/>
+    <p:sldId id="302" r:id="rId47"/>
+    <p:sldId id="303" r:id="rId48"/>
   </p:sldIdLst>
   <p:sldSz cx="12192000" cy="6858000"/>
   <p:notesSz cx="6858000" cy="9144000"/>
@@ -3944,6 +3970,984 @@
 </p:sld>
 </file>
 
+<file path=ppt/slides/slide21.xml><?xml version="1.0" encoding="utf-8"?>
+<p:sld xmlns:a="http://schemas.openxmlformats.org/drawingml/2006/main" xmlns:r="http://schemas.openxmlformats.org/officeDocument/2006/relationships" xmlns:p="http://schemas.openxmlformats.org/presentationml/2006/main">
+  <p:cSld>
+    <p:spTree>
+      <p:nvGrpSpPr>
+        <p:cNvPr id="1" name=""/>
+        <p:cNvGrpSpPr/>
+        <p:nvPr/>
+      </p:nvGrpSpPr>
+      <p:grpSpPr/>
+      <p:sp>
+        <p:nvSpPr>
+          <p:cNvPr id="2" name="标题 1"/>
+          <p:cNvSpPr>
+            <a:spLocks noGrp="1"/>
+          </p:cNvSpPr>
+          <p:nvPr>
+            <p:ph type="ctrTitle"/>
+          </p:nvPr>
+        </p:nvSpPr>
+        <p:spPr/>
+        <p:txBody>
+          <a:bodyPr/>
+          <a:p>
+            <a:r>
+              <a:rPr lang="zh-CN" altLang="en-US"/>
+              <a:t>Files, Modules, and Programs</a:t>
+            </a:r>
+            <a:endParaRPr lang="zh-CN" altLang="en-US"/>
+          </a:p>
+        </p:txBody>
+      </p:sp>
+      <p:sp>
+        <p:nvSpPr>
+          <p:cNvPr id="4" name="副标题 3"/>
+          <p:cNvSpPr>
+            <a:spLocks noGrp="1"/>
+          </p:cNvSpPr>
+          <p:nvPr>
+            <p:ph type="subTitle" idx="1"/>
+          </p:nvPr>
+        </p:nvSpPr>
+        <p:spPr/>
+        <p:txBody>
+          <a:bodyPr/>
+          <a:p>
+            <a:endParaRPr lang="zh-CN" altLang="en-US"/>
+          </a:p>
+        </p:txBody>
+      </p:sp>
+    </p:spTree>
+  </p:cSld>
+  <p:clrMapOvr>
+    <a:masterClrMapping/>
+  </p:clrMapOvr>
+</p:sld>
+</file>
+
+<file path=ppt/slides/slide22.xml><?xml version="1.0" encoding="utf-8"?>
+<p:sld xmlns:a="http://schemas.openxmlformats.org/drawingml/2006/main" xmlns:r="http://schemas.openxmlformats.org/officeDocument/2006/relationships" xmlns:p="http://schemas.openxmlformats.org/presentationml/2006/main">
+  <p:cSld>
+    <p:spTree>
+      <p:nvGrpSpPr>
+        <p:cNvPr id="1" name=""/>
+        <p:cNvGrpSpPr/>
+        <p:nvPr/>
+      </p:nvGrpSpPr>
+      <p:grpSpPr/>
+      <p:sp>
+        <p:nvSpPr>
+          <p:cNvPr id="2" name="标题 1"/>
+          <p:cNvSpPr>
+            <a:spLocks noGrp="1"/>
+          </p:cNvSpPr>
+          <p:nvPr>
+            <p:ph type="title"/>
+          </p:nvPr>
+        </p:nvSpPr>
+        <p:spPr/>
+        <p:txBody>
+          <a:bodyPr/>
+          <a:p>
+            <a:r>
+              <a:rPr lang="en-US" altLang="zh-CN"/>
+              <a:t>Single-file Program</a:t>
+            </a:r>
+            <a:endParaRPr lang="en-US" altLang="zh-CN"/>
+          </a:p>
+        </p:txBody>
+      </p:sp>
+      <p:pic>
+        <p:nvPicPr>
+          <p:cNvPr id="4" name="内容占位符 3"/>
+          <p:cNvPicPr>
+            <a:picLocks noChangeAspect="1"/>
+          </p:cNvPicPr>
+          <p:nvPr>
+            <p:ph idx="1"/>
+          </p:nvPr>
+        </p:nvPicPr>
+        <p:blipFill>
+          <a:blip r:embed="rId1">
+            <a:lum bright="-12000" contrast="24000"/>
+          </a:blip>
+          <a:stretch>
+            <a:fillRect/>
+          </a:stretch>
+        </p:blipFill>
+        <p:spPr>
+          <a:xfrm>
+            <a:off x="527685" y="1691005"/>
+            <a:ext cx="6229350" cy="4010025"/>
+          </a:xfrm>
+          <a:prstGeom prst="rect">
+            <a:avLst/>
+          </a:prstGeom>
+        </p:spPr>
+      </p:pic>
+    </p:spTree>
+  </p:cSld>
+  <p:clrMapOvr>
+    <a:masterClrMapping/>
+  </p:clrMapOvr>
+</p:sld>
+</file>
+
+<file path=ppt/slides/slide23.xml><?xml version="1.0" encoding="utf-8"?>
+<p:sld xmlns:a="http://schemas.openxmlformats.org/drawingml/2006/main" xmlns:r="http://schemas.openxmlformats.org/officeDocument/2006/relationships" xmlns:p="http://schemas.openxmlformats.org/presentationml/2006/main">
+  <p:cSld>
+    <p:spTree>
+      <p:nvGrpSpPr>
+        <p:cNvPr id="1" name=""/>
+        <p:cNvGrpSpPr/>
+        <p:nvPr/>
+      </p:nvGrpSpPr>
+      <p:grpSpPr/>
+      <p:sp>
+        <p:nvSpPr>
+          <p:cNvPr id="2" name="标题 1"/>
+          <p:cNvSpPr>
+            <a:spLocks noGrp="1"/>
+          </p:cNvSpPr>
+          <p:nvPr>
+            <p:ph type="title"/>
+          </p:nvPr>
+        </p:nvSpPr>
+        <p:spPr/>
+        <p:txBody>
+          <a:bodyPr/>
+          <a:p>
+            <a:r>
+              <a:rPr lang="en-US" altLang="zh-CN"/>
+              <a:t>Single-file Program</a:t>
+            </a:r>
+            <a:endParaRPr lang="en-US" altLang="zh-CN"/>
+          </a:p>
+        </p:txBody>
+      </p:sp>
+      <p:pic>
+        <p:nvPicPr>
+          <p:cNvPr id="5" name="内容占位符 4"/>
+          <p:cNvPicPr>
+            <a:picLocks noChangeAspect="1"/>
+          </p:cNvPicPr>
+          <p:nvPr>
+            <p:ph idx="1"/>
+          </p:nvPr>
+        </p:nvPicPr>
+        <p:blipFill>
+          <a:blip r:embed="rId1">
+            <a:lum bright="-12000" contrast="24000"/>
+          </a:blip>
+          <a:stretch>
+            <a:fillRect/>
+          </a:stretch>
+        </p:blipFill>
+        <p:spPr>
+          <a:xfrm>
+            <a:off x="975360" y="1974215"/>
+            <a:ext cx="4133850" cy="822325"/>
+          </a:xfrm>
+          <a:prstGeom prst="rect">
+            <a:avLst/>
+          </a:prstGeom>
+        </p:spPr>
+      </p:pic>
+      <p:sp>
+        <p:nvSpPr>
+          <p:cNvPr id="6" name="文本框 5"/>
+          <p:cNvSpPr txBox="1"/>
+          <p:nvPr/>
+        </p:nvSpPr>
+        <p:spPr>
+          <a:xfrm>
+            <a:off x="1001395" y="1594485"/>
+            <a:ext cx="6123940" cy="368300"/>
+          </a:xfrm>
+          <a:prstGeom prst="rect">
+            <a:avLst/>
+          </a:prstGeom>
+          <a:noFill/>
+        </p:spPr>
+        <p:txBody>
+          <a:bodyPr wrap="square" rtlCol="0">
+            <a:spAutoFit/>
+          </a:bodyPr>
+          <a:p>
+            <a:r>
+              <a:rPr lang="zh-CN" altLang="en-US" b="1"/>
+              <a:t>If we weren</a:t>
+            </a:r>
+            <a:r>
+              <a:rPr lang="en-US" altLang="zh-CN" b="1"/>
+              <a:t>‘</a:t>
+            </a:r>
+            <a:r>
+              <a:rPr lang="zh-CN" altLang="en-US" b="1"/>
+              <a:t>t using Core or any other external libraries</a:t>
+            </a:r>
+            <a:endParaRPr lang="zh-CN" altLang="en-US" b="1"/>
+          </a:p>
+        </p:txBody>
+      </p:sp>
+      <p:pic>
+        <p:nvPicPr>
+          <p:cNvPr id="7" name="图片 6"/>
+          <p:cNvPicPr>
+            <a:picLocks noChangeAspect="1"/>
+          </p:cNvPicPr>
+          <p:nvPr/>
+        </p:nvPicPr>
+        <p:blipFill>
+          <a:blip r:embed="rId2"/>
+          <a:stretch>
+            <a:fillRect/>
+          </a:stretch>
+        </p:blipFill>
+        <p:spPr>
+          <a:xfrm>
+            <a:off x="975360" y="3219450"/>
+            <a:ext cx="7524750" cy="534035"/>
+          </a:xfrm>
+          <a:prstGeom prst="rect">
+            <a:avLst/>
+          </a:prstGeom>
+        </p:spPr>
+      </p:pic>
+      <p:pic>
+        <p:nvPicPr>
+          <p:cNvPr id="8" name="图片 7"/>
+          <p:cNvPicPr>
+            <a:picLocks noChangeAspect="1"/>
+          </p:cNvPicPr>
+          <p:nvPr/>
+        </p:nvPicPr>
+        <p:blipFill>
+          <a:blip r:embed="rId3"/>
+          <a:stretch>
+            <a:fillRect/>
+          </a:stretch>
+        </p:blipFill>
+        <p:spPr>
+          <a:xfrm>
+            <a:off x="975360" y="3753485"/>
+            <a:ext cx="8094980" cy="1497965"/>
+          </a:xfrm>
+          <a:prstGeom prst="rect">
+            <a:avLst/>
+          </a:prstGeom>
+        </p:spPr>
+      </p:pic>
+    </p:spTree>
+  </p:cSld>
+  <p:clrMapOvr>
+    <a:masterClrMapping/>
+  </p:clrMapOvr>
+</p:sld>
+</file>
+
+<file path=ppt/slides/slide24.xml><?xml version="1.0" encoding="utf-8"?>
+<p:sld xmlns:a="http://schemas.openxmlformats.org/drawingml/2006/main" xmlns:r="http://schemas.openxmlformats.org/officeDocument/2006/relationships" xmlns:p="http://schemas.openxmlformats.org/presentationml/2006/main">
+  <p:cSld>
+    <p:spTree>
+      <p:nvGrpSpPr>
+        <p:cNvPr id="1" name=""/>
+        <p:cNvGrpSpPr/>
+        <p:nvPr/>
+      </p:nvGrpSpPr>
+      <p:grpSpPr/>
+      <p:sp>
+        <p:nvSpPr>
+          <p:cNvPr id="2" name="标题 1"/>
+          <p:cNvSpPr>
+            <a:spLocks noGrp="1"/>
+          </p:cNvSpPr>
+          <p:nvPr>
+            <p:ph type="title"/>
+          </p:nvPr>
+        </p:nvSpPr>
+        <p:spPr/>
+        <p:txBody>
+          <a:bodyPr/>
+          <a:p>
+            <a:r>
+              <a:rPr lang="en-US" altLang="zh-CN">
+                <a:sym typeface="+mn-ea"/>
+              </a:rPr>
+              <a:t>Single-file Program</a:t>
+            </a:r>
+            <a:endParaRPr lang="zh-CN" altLang="en-US"/>
+          </a:p>
+        </p:txBody>
+      </p:sp>
+      <p:pic>
+        <p:nvPicPr>
+          <p:cNvPr id="4" name="内容占位符 3"/>
+          <p:cNvPicPr>
+            <a:picLocks noChangeAspect="1"/>
+          </p:cNvPicPr>
+          <p:nvPr>
+            <p:ph idx="1"/>
+          </p:nvPr>
+        </p:nvPicPr>
+        <p:blipFill>
+          <a:blip r:embed="rId1"/>
+          <a:stretch>
+            <a:fillRect/>
+          </a:stretch>
+        </p:blipFill>
+        <p:spPr>
+          <a:xfrm>
+            <a:off x="986155" y="2033905"/>
+            <a:ext cx="7658735" cy="1788160"/>
+          </a:xfrm>
+          <a:prstGeom prst="rect">
+            <a:avLst/>
+          </a:prstGeom>
+        </p:spPr>
+      </p:pic>
+      <p:pic>
+        <p:nvPicPr>
+          <p:cNvPr id="5" name="图片 4"/>
+          <p:cNvPicPr>
+            <a:picLocks noChangeAspect="1"/>
+          </p:cNvPicPr>
+          <p:nvPr/>
+        </p:nvPicPr>
+        <p:blipFill>
+          <a:blip r:embed="rId2"/>
+          <a:stretch>
+            <a:fillRect/>
+          </a:stretch>
+        </p:blipFill>
+        <p:spPr>
+          <a:xfrm>
+            <a:off x="1254125" y="4231005"/>
+            <a:ext cx="3827780" cy="2106930"/>
+          </a:xfrm>
+          <a:prstGeom prst="rect">
+            <a:avLst/>
+          </a:prstGeom>
+        </p:spPr>
+      </p:pic>
+    </p:spTree>
+  </p:cSld>
+  <p:clrMapOvr>
+    <a:masterClrMapping/>
+  </p:clrMapOvr>
+</p:sld>
+</file>
+
+<file path=ppt/slides/slide25.xml><?xml version="1.0" encoding="utf-8"?>
+<p:sld xmlns:a="http://schemas.openxmlformats.org/drawingml/2006/main" xmlns:r="http://schemas.openxmlformats.org/officeDocument/2006/relationships" xmlns:p="http://schemas.openxmlformats.org/presentationml/2006/main">
+  <p:cSld>
+    <p:spTree>
+      <p:nvGrpSpPr>
+        <p:cNvPr id="1" name=""/>
+        <p:cNvGrpSpPr/>
+        <p:nvPr/>
+      </p:nvGrpSpPr>
+      <p:grpSpPr/>
+      <p:sp>
+        <p:nvSpPr>
+          <p:cNvPr id="2" name="标题 1"/>
+          <p:cNvSpPr>
+            <a:spLocks noGrp="1"/>
+          </p:cNvSpPr>
+          <p:nvPr>
+            <p:ph type="title"/>
+          </p:nvPr>
+        </p:nvSpPr>
+        <p:spPr/>
+        <p:txBody>
+          <a:bodyPr>
+            <a:normAutofit/>
+          </a:bodyPr>
+          <a:p>
+            <a:r>
+              <a:rPr lang="en-US" altLang="zh-CN">
+                <a:sym typeface="+mn-ea"/>
+              </a:rPr>
+              <a:t>Single-file Program</a:t>
+            </a:r>
+            <a:endParaRPr lang="zh-CN" altLang="en-US"/>
+          </a:p>
+        </p:txBody>
+      </p:sp>
+      <p:sp>
+        <p:nvSpPr>
+          <p:cNvPr id="3" name="内容占位符 2"/>
+          <p:cNvSpPr>
+            <a:spLocks noGrp="1"/>
+          </p:cNvSpPr>
+          <p:nvPr>
+            <p:ph idx="1"/>
+          </p:nvPr>
+        </p:nvSpPr>
+        <p:spPr/>
+        <p:txBody>
+          <a:bodyPr/>
+          <a:p>
+            <a:r>
+              <a:rPr lang="en-US" altLang="zh-CN"/>
+              <a:t>two compilers</a:t>
+            </a:r>
+            <a:endParaRPr lang="en-US" altLang="zh-CN"/>
+          </a:p>
+          <a:p>
+            <a:pPr lvl="1"/>
+            <a:r>
+              <a:rPr lang="en-US" altLang="zh-CN"/>
+              <a:t>ocamlc bytecode compiler -- interpreted by a virtual machine</a:t>
+            </a:r>
+            <a:endParaRPr lang="en-US" altLang="zh-CN"/>
+          </a:p>
+          <a:p>
+            <a:pPr lvl="1"/>
+            <a:r>
+              <a:rPr lang="en-US" altLang="zh-CN"/>
+              <a:t>ocamlopt native-code compiler -- compiled to native machine code</a:t>
+            </a:r>
+            <a:endParaRPr lang="en-US" altLang="zh-CN"/>
+          </a:p>
+          <a:p>
+            <a:pPr lvl="0"/>
+            <a:r>
+              <a:rPr lang="en-US" altLang="zh-CN"/>
+              <a:t>ocamlbuild</a:t>
+            </a:r>
+            <a:endParaRPr lang="en-US" altLang="zh-CN"/>
+          </a:p>
+          <a:p>
+            <a:pPr lvl="1"/>
+            <a:r>
+              <a:rPr lang="en-US" altLang="zh-CN"/>
+              <a:t>.byte  for bytecode executable</a:t>
+            </a:r>
+            <a:endParaRPr lang="en-US" altLang="zh-CN"/>
+          </a:p>
+          <a:p>
+            <a:pPr lvl="1"/>
+            <a:r>
+              <a:rPr lang="en-US" altLang="zh-CN"/>
+              <a:t>.native for native code</a:t>
+            </a:r>
+            <a:endParaRPr lang="en-US" altLang="zh-CN"/>
+          </a:p>
+        </p:txBody>
+      </p:sp>
+    </p:spTree>
+  </p:cSld>
+  <p:clrMapOvr>
+    <a:masterClrMapping/>
+  </p:clrMapOvr>
+</p:sld>
+</file>
+
+<file path=ppt/slides/slide26.xml><?xml version="1.0" encoding="utf-8"?>
+<p:sld xmlns:a="http://schemas.openxmlformats.org/drawingml/2006/main" xmlns:r="http://schemas.openxmlformats.org/officeDocument/2006/relationships" xmlns:p="http://schemas.openxmlformats.org/presentationml/2006/main">
+  <p:cSld>
+    <p:spTree>
+      <p:nvGrpSpPr>
+        <p:cNvPr id="1" name=""/>
+        <p:cNvGrpSpPr/>
+        <p:nvPr/>
+      </p:nvGrpSpPr>
+      <p:grpSpPr/>
+      <p:sp>
+        <p:nvSpPr>
+          <p:cNvPr id="2" name="标题 1"/>
+          <p:cNvSpPr>
+            <a:spLocks noGrp="1"/>
+          </p:cNvSpPr>
+          <p:nvPr>
+            <p:ph type="title"/>
+          </p:nvPr>
+        </p:nvSpPr>
+        <p:spPr>
+          <a:xfrm>
+            <a:off x="838200" y="196215"/>
+            <a:ext cx="10515600" cy="1325563"/>
+          </a:xfrm>
+        </p:spPr>
+        <p:txBody>
+          <a:bodyPr/>
+          <a:p>
+            <a:r>
+              <a:rPr lang="zh-CN" altLang="en-US"/>
+              <a:t>Multifile Programs and Modules</a:t>
+            </a:r>
+            <a:endParaRPr lang="zh-CN" altLang="en-US"/>
+          </a:p>
+        </p:txBody>
+      </p:sp>
+      <p:pic>
+        <p:nvPicPr>
+          <p:cNvPr id="5" name="内容占位符 4"/>
+          <p:cNvPicPr>
+            <a:picLocks noChangeAspect="1"/>
+          </p:cNvPicPr>
+          <p:nvPr>
+            <p:ph idx="1"/>
+          </p:nvPr>
+        </p:nvPicPr>
+        <p:blipFill>
+          <a:blip r:embed="rId1"/>
+          <a:stretch>
+            <a:fillRect/>
+          </a:stretch>
+        </p:blipFill>
+        <p:spPr>
+          <a:xfrm>
+            <a:off x="669290" y="1162050"/>
+            <a:ext cx="4514850" cy="2609850"/>
+          </a:xfrm>
+          <a:prstGeom prst="rect">
+            <a:avLst/>
+          </a:prstGeom>
+        </p:spPr>
+      </p:pic>
+      <p:pic>
+        <p:nvPicPr>
+          <p:cNvPr id="6" name="图片 5"/>
+          <p:cNvPicPr>
+            <a:picLocks noChangeAspect="1"/>
+          </p:cNvPicPr>
+          <p:nvPr/>
+        </p:nvPicPr>
+        <p:blipFill>
+          <a:blip r:embed="rId2"/>
+          <a:stretch>
+            <a:fillRect/>
+          </a:stretch>
+        </p:blipFill>
+        <p:spPr>
+          <a:xfrm>
+            <a:off x="584200" y="3771900"/>
+            <a:ext cx="8029575" cy="3086100"/>
+          </a:xfrm>
+          <a:prstGeom prst="rect">
+            <a:avLst/>
+          </a:prstGeom>
+        </p:spPr>
+      </p:pic>
+      <p:sp>
+        <p:nvSpPr>
+          <p:cNvPr id="7" name="文本框 6"/>
+          <p:cNvSpPr txBox="1"/>
+          <p:nvPr/>
+        </p:nvSpPr>
+        <p:spPr>
+          <a:xfrm>
+            <a:off x="7783830" y="4064000"/>
+            <a:ext cx="4176395" cy="1198880"/>
+          </a:xfrm>
+          <a:prstGeom prst="rect">
+            <a:avLst/>
+          </a:prstGeom>
+          <a:noFill/>
+        </p:spPr>
+        <p:txBody>
+          <a:bodyPr wrap="square" rtlCol="0">
+            <a:spAutoFit/>
+          </a:bodyPr>
+          <a:p>
+            <a:r>
+              <a:rPr lang="en-US" altLang="zh-CN" b="1"/>
+              <a:t>$ocamlbuild freq.byte</a:t>
+            </a:r>
+            <a:endParaRPr lang="en-US" altLang="zh-CN" b="1"/>
+          </a:p>
+          <a:p>
+            <a:r>
+              <a:rPr lang="en-US" altLang="zh-CN"/>
+              <a:t>it will automaticly discover dependencies and realize that counter.ml needs to be compiled</a:t>
+            </a:r>
+            <a:endParaRPr lang="en-US" altLang="zh-CN"/>
+          </a:p>
+        </p:txBody>
+      </p:sp>
+    </p:spTree>
+  </p:cSld>
+  <p:clrMapOvr>
+    <a:masterClrMapping/>
+  </p:clrMapOvr>
+</p:sld>
+</file>
+
+<file path=ppt/slides/slide27.xml><?xml version="1.0" encoding="utf-8"?>
+<p:sld xmlns:a="http://schemas.openxmlformats.org/drawingml/2006/main" xmlns:r="http://schemas.openxmlformats.org/officeDocument/2006/relationships" xmlns:p="http://schemas.openxmlformats.org/presentationml/2006/main">
+  <p:cSld>
+    <p:spTree>
+      <p:nvGrpSpPr>
+        <p:cNvPr id="1" name=""/>
+        <p:cNvGrpSpPr/>
+        <p:nvPr/>
+      </p:nvGrpSpPr>
+      <p:grpSpPr/>
+      <p:sp>
+        <p:nvSpPr>
+          <p:cNvPr id="2" name="标题 1"/>
+          <p:cNvSpPr>
+            <a:spLocks noGrp="1"/>
+          </p:cNvSpPr>
+          <p:nvPr>
+            <p:ph type="title"/>
+          </p:nvPr>
+        </p:nvSpPr>
+        <p:spPr/>
+        <p:txBody>
+          <a:bodyPr/>
+          <a:p>
+            <a:r>
+              <a:rPr lang="zh-CN" altLang="en-US"/>
+              <a:t>Signatures and Abstract Types</a:t>
+            </a:r>
+            <a:endParaRPr lang="zh-CN" altLang="en-US"/>
+          </a:p>
+        </p:txBody>
+      </p:sp>
+      <p:sp>
+        <p:nvSpPr>
+          <p:cNvPr id="3" name="内容占位符 2"/>
+          <p:cNvSpPr>
+            <a:spLocks noGrp="1"/>
+          </p:cNvSpPr>
+          <p:nvPr>
+            <p:ph idx="1"/>
+          </p:nvPr>
+        </p:nvSpPr>
+        <p:spPr/>
+        <p:txBody>
+          <a:bodyPr/>
+          <a:p>
+            <a:r>
+              <a:rPr lang="zh-CN" altLang="en-US"/>
+              <a:t>the terms </a:t>
+            </a:r>
+            <a:r>
+              <a:rPr lang="zh-CN" altLang="en-US" i="1"/>
+              <a:t>interface</a:t>
+            </a:r>
+            <a:r>
+              <a:rPr lang="zh-CN" altLang="en-US"/>
+              <a:t>, </a:t>
+            </a:r>
+            <a:r>
+              <a:rPr lang="zh-CN" altLang="en-US" i="1"/>
+              <a:t>signature</a:t>
+            </a:r>
+            <a:r>
+              <a:rPr lang="zh-CN" altLang="en-US"/>
+              <a:t>, and </a:t>
+            </a:r>
+            <a:r>
+              <a:rPr lang="zh-CN" altLang="en-US" i="1"/>
+              <a:t>module type</a:t>
+            </a:r>
+            <a:r>
+              <a:rPr lang="zh-CN" altLang="en-US"/>
+              <a:t> are all used interchangeably.</a:t>
+            </a:r>
+            <a:endParaRPr lang="zh-CN" altLang="en-US"/>
+          </a:p>
+          <a:p>
+            <a:r>
+              <a:rPr lang="zh-CN" altLang="en-US"/>
+              <a:t>val declarations are used to specify values in a signature</a:t>
+            </a:r>
+            <a:r>
+              <a:rPr lang="en-US" altLang="zh-CN"/>
+              <a:t>(.mli)</a:t>
+            </a:r>
+            <a:endParaRPr lang="en-US" altLang="zh-CN"/>
+          </a:p>
+        </p:txBody>
+      </p:sp>
+    </p:spTree>
+  </p:cSld>
+  <p:clrMapOvr>
+    <a:masterClrMapping/>
+  </p:clrMapOvr>
+</p:sld>
+</file>
+
+<file path=ppt/slides/slide28.xml><?xml version="1.0" encoding="utf-8"?>
+<p:sld xmlns:a="http://schemas.openxmlformats.org/drawingml/2006/main" xmlns:r="http://schemas.openxmlformats.org/officeDocument/2006/relationships" xmlns:p="http://schemas.openxmlformats.org/presentationml/2006/main">
+  <p:cSld>
+    <p:spTree>
+      <p:nvGrpSpPr>
+        <p:cNvPr id="1" name=""/>
+        <p:cNvGrpSpPr/>
+        <p:nvPr/>
+      </p:nvGrpSpPr>
+      <p:grpSpPr/>
+      <p:sp>
+        <p:nvSpPr>
+          <p:cNvPr id="4" name="标题 3"/>
+          <p:cNvSpPr>
+            <a:spLocks noGrp="1"/>
+          </p:cNvSpPr>
+          <p:nvPr>
+            <p:ph type="title"/>
+          </p:nvPr>
+        </p:nvSpPr>
+        <p:spPr/>
+        <p:txBody>
+          <a:bodyPr/>
+          <a:p>
+            <a:r>
+              <a:rPr lang="zh-CN" altLang="en-US">
+                <a:sym typeface="+mn-ea"/>
+              </a:rPr>
+              <a:t>Signatures and Abstract Types</a:t>
+            </a:r>
+            <a:endParaRPr lang="zh-CN" altLang="en-US"/>
+          </a:p>
+        </p:txBody>
+      </p:sp>
+      <p:pic>
+        <p:nvPicPr>
+          <p:cNvPr id="7" name="图片 6"/>
+          <p:cNvPicPr>
+            <a:picLocks noChangeAspect="1"/>
+          </p:cNvPicPr>
+          <p:nvPr/>
+        </p:nvPicPr>
+        <p:blipFill>
+          <a:blip r:embed="rId1"/>
+          <a:stretch>
+            <a:fillRect/>
+          </a:stretch>
+        </p:blipFill>
+        <p:spPr>
+          <a:xfrm>
+            <a:off x="6791325" y="1691005"/>
+            <a:ext cx="3943350" cy="3876675"/>
+          </a:xfrm>
+          <a:prstGeom prst="rect">
+            <a:avLst/>
+          </a:prstGeom>
+        </p:spPr>
+      </p:pic>
+      <p:sp>
+        <p:nvSpPr>
+          <p:cNvPr id="8" name="文本框 7"/>
+          <p:cNvSpPr txBox="1"/>
+          <p:nvPr/>
+        </p:nvSpPr>
+        <p:spPr>
+          <a:xfrm>
+            <a:off x="733425" y="5488940"/>
+            <a:ext cx="4487545" cy="368300"/>
+          </a:xfrm>
+          <a:prstGeom prst="rect">
+            <a:avLst/>
+          </a:prstGeom>
+          <a:noFill/>
+        </p:spPr>
+        <p:txBody>
+          <a:bodyPr wrap="square" rtlCol="0">
+            <a:spAutoFit/>
+          </a:bodyPr>
+          <a:p>
+            <a:r>
+              <a:rPr lang="en-US" altLang="zh-CN" b="1"/>
+              <a:t>Counter.mli</a:t>
+            </a:r>
+            <a:endParaRPr lang="en-US" altLang="zh-CN" b="1"/>
+          </a:p>
+        </p:txBody>
+      </p:sp>
+      <p:sp>
+        <p:nvSpPr>
+          <p:cNvPr id="9" name="文本框 8"/>
+          <p:cNvSpPr txBox="1"/>
+          <p:nvPr/>
+        </p:nvSpPr>
+        <p:spPr>
+          <a:xfrm>
+            <a:off x="7055485" y="5770880"/>
+            <a:ext cx="3541395" cy="368300"/>
+          </a:xfrm>
+          <a:prstGeom prst="rect">
+            <a:avLst/>
+          </a:prstGeom>
+          <a:noFill/>
+        </p:spPr>
+        <p:txBody>
+          <a:bodyPr wrap="square" rtlCol="0">
+            <a:spAutoFit/>
+          </a:bodyPr>
+          <a:p>
+            <a:r>
+              <a:rPr lang="en-US" altLang="zh-CN" b="1"/>
+              <a:t>Counter.ml</a:t>
+            </a:r>
+            <a:endParaRPr lang="en-US" altLang="zh-CN" b="1"/>
+          </a:p>
+        </p:txBody>
+      </p:sp>
+      <p:sp>
+        <p:nvSpPr>
+          <p:cNvPr id="10" name="文本框 9"/>
+          <p:cNvSpPr txBox="1"/>
+          <p:nvPr/>
+        </p:nvSpPr>
+        <p:spPr>
+          <a:xfrm>
+            <a:off x="135255" y="6139180"/>
+            <a:ext cx="11218545" cy="645160"/>
+          </a:xfrm>
+          <a:prstGeom prst="rect">
+            <a:avLst/>
+          </a:prstGeom>
+          <a:noFill/>
+        </p:spPr>
+        <p:txBody>
+          <a:bodyPr wrap="square" rtlCol="0">
+            <a:spAutoFit/>
+          </a:bodyPr>
+          <a:p>
+            <a:r>
+              <a:rPr lang="zh-CN" altLang="en-US" i="1"/>
+              <a:t>Note that we needed to add empty and to_list to Counter, since otherwise there would be no way to create a Counter.t or get data out of one.</a:t>
+            </a:r>
+            <a:endParaRPr lang="zh-CN" altLang="en-US" i="1"/>
+          </a:p>
+        </p:txBody>
+      </p:sp>
+      <p:pic>
+        <p:nvPicPr>
+          <p:cNvPr id="12" name="内容占位符 11"/>
+          <p:cNvPicPr>
+            <a:picLocks noChangeAspect="1"/>
+          </p:cNvPicPr>
+          <p:nvPr>
+            <p:ph idx="1"/>
+          </p:nvPr>
+        </p:nvPicPr>
+        <p:blipFill>
+          <a:blip r:embed="rId2">
+            <a:lum bright="-36000" contrast="78000"/>
+          </a:blip>
+          <a:stretch>
+            <a:fillRect/>
+          </a:stretch>
+        </p:blipFill>
+        <p:spPr>
+          <a:xfrm>
+            <a:off x="370205" y="1691005"/>
+            <a:ext cx="6172200" cy="3676650"/>
+          </a:xfrm>
+          <a:prstGeom prst="rect">
+            <a:avLst/>
+          </a:prstGeom>
+        </p:spPr>
+      </p:pic>
+    </p:spTree>
+  </p:cSld>
+  <p:clrMapOvr>
+    <a:masterClrMapping/>
+  </p:clrMapOvr>
+</p:sld>
+</file>
+
+<file path=ppt/slides/slide29.xml><?xml version="1.0" encoding="utf-8"?>
+<p:sld xmlns:a="http://schemas.openxmlformats.org/drawingml/2006/main" xmlns:r="http://schemas.openxmlformats.org/officeDocument/2006/relationships" xmlns:p="http://schemas.openxmlformats.org/presentationml/2006/main">
+  <p:cSld>
+    <p:spTree>
+      <p:nvGrpSpPr>
+        <p:cNvPr id="1" name=""/>
+        <p:cNvGrpSpPr/>
+        <p:nvPr/>
+      </p:nvGrpSpPr>
+      <p:grpSpPr/>
+      <p:sp>
+        <p:nvSpPr>
+          <p:cNvPr id="2" name="标题 1"/>
+          <p:cNvSpPr>
+            <a:spLocks noGrp="1"/>
+          </p:cNvSpPr>
+          <p:nvPr>
+            <p:ph type="title"/>
+          </p:nvPr>
+        </p:nvSpPr>
+        <p:spPr/>
+        <p:txBody>
+          <a:bodyPr/>
+          <a:p>
+            <a:r>
+              <a:rPr lang="zh-CN" altLang="en-US">
+                <a:sym typeface="+mn-ea"/>
+              </a:rPr>
+              <a:t>Signatures and Abstract Types</a:t>
+            </a:r>
+            <a:endParaRPr lang="zh-CN" altLang="en-US"/>
+          </a:p>
+        </p:txBody>
+      </p:sp>
+      <p:pic>
+        <p:nvPicPr>
+          <p:cNvPr id="4" name="内容占位符 3"/>
+          <p:cNvPicPr>
+            <a:picLocks noChangeAspect="1"/>
+          </p:cNvPicPr>
+          <p:nvPr>
+            <p:ph idx="1"/>
+          </p:nvPr>
+        </p:nvPicPr>
+        <p:blipFill>
+          <a:blip r:embed="rId1"/>
+          <a:stretch>
+            <a:fillRect/>
+          </a:stretch>
+        </p:blipFill>
+        <p:spPr>
+          <a:xfrm>
+            <a:off x="1023620" y="1691005"/>
+            <a:ext cx="8591550" cy="2333625"/>
+          </a:xfrm>
+          <a:prstGeom prst="rect">
+            <a:avLst/>
+          </a:prstGeom>
+        </p:spPr>
+      </p:pic>
+      <p:pic>
+        <p:nvPicPr>
+          <p:cNvPr id="5" name="图片 4"/>
+          <p:cNvPicPr>
+            <a:picLocks noChangeAspect="1"/>
+          </p:cNvPicPr>
+          <p:nvPr/>
+        </p:nvPicPr>
+        <p:blipFill>
+          <a:blip r:embed="rId2"/>
+          <a:stretch>
+            <a:fillRect/>
+          </a:stretch>
+        </p:blipFill>
+        <p:spPr>
+          <a:xfrm>
+            <a:off x="1023620" y="4168775"/>
+            <a:ext cx="9239250" cy="1343025"/>
+          </a:xfrm>
+          <a:prstGeom prst="rect">
+            <a:avLst/>
+          </a:prstGeom>
+        </p:spPr>
+      </p:pic>
+    </p:spTree>
+  </p:cSld>
+  <p:clrMapOvr>
+    <a:masterClrMapping/>
+  </p:clrMapOvr>
+</p:sld>
+</file>
+
 <file path=ppt/slides/slide3.xml><?xml version="1.0" encoding="utf-8"?>
 <p:sld xmlns:a="http://schemas.openxmlformats.org/drawingml/2006/main" xmlns:r="http://schemas.openxmlformats.org/officeDocument/2006/relationships" xmlns:p="http://schemas.openxmlformats.org/presentationml/2006/main">
   <p:cSld>
@@ -4052,6 +5056,1166 @@
               <a:t> in the definition of even, we used = in two different ways: once as the part ofthe let binding that separates the thing being defined from its definition; and once asan equality test, when comparing x mod 2 to 0. </a:t>
             </a:r>
             <a:endParaRPr lang="en-US" b="1"/>
+          </a:p>
+        </p:txBody>
+      </p:sp>
+    </p:spTree>
+  </p:cSld>
+  <p:clrMapOvr>
+    <a:masterClrMapping/>
+  </p:clrMapOvr>
+</p:sld>
+</file>
+
+<file path=ppt/slides/slide30.xml><?xml version="1.0" encoding="utf-8"?>
+<p:sld xmlns:a="http://schemas.openxmlformats.org/drawingml/2006/main" xmlns:r="http://schemas.openxmlformats.org/officeDocument/2006/relationships" xmlns:p="http://schemas.openxmlformats.org/presentationml/2006/main">
+  <p:cSld>
+    <p:spTree>
+      <p:nvGrpSpPr>
+        <p:cNvPr id="1" name=""/>
+        <p:cNvGrpSpPr/>
+        <p:nvPr/>
+      </p:nvGrpSpPr>
+      <p:grpSpPr/>
+      <p:sp>
+        <p:nvSpPr>
+          <p:cNvPr id="2" name="标题 1"/>
+          <p:cNvSpPr>
+            <a:spLocks noGrp="1"/>
+          </p:cNvSpPr>
+          <p:nvPr>
+            <p:ph type="title"/>
+          </p:nvPr>
+        </p:nvSpPr>
+        <p:spPr/>
+        <p:txBody>
+          <a:bodyPr/>
+          <a:p>
+            <a:r>
+              <a:rPr lang="zh-CN" altLang="en-US">
+                <a:sym typeface="+mn-ea"/>
+              </a:rPr>
+              <a:t>Signatures and Abstract Types</a:t>
+            </a:r>
+            <a:endParaRPr lang="zh-CN" altLang="en-US"/>
+          </a:p>
+        </p:txBody>
+      </p:sp>
+      <p:pic>
+        <p:nvPicPr>
+          <p:cNvPr id="4" name="内容占位符 3"/>
+          <p:cNvPicPr>
+            <a:picLocks noChangeAspect="1"/>
+          </p:cNvPicPr>
+          <p:nvPr>
+            <p:ph idx="1"/>
+          </p:nvPr>
+        </p:nvPicPr>
+        <p:blipFill>
+          <a:blip r:embed="rId1"/>
+          <a:stretch>
+            <a:fillRect/>
+          </a:stretch>
+        </p:blipFill>
+        <p:spPr>
+          <a:xfrm>
+            <a:off x="5212715" y="1965325"/>
+            <a:ext cx="7156450" cy="2661285"/>
+          </a:xfrm>
+          <a:prstGeom prst="rect">
+            <a:avLst/>
+          </a:prstGeom>
+        </p:spPr>
+      </p:pic>
+      <p:pic>
+        <p:nvPicPr>
+          <p:cNvPr id="12" name="内容占位符 11"/>
+          <p:cNvPicPr>
+            <a:picLocks noChangeAspect="1"/>
+          </p:cNvPicPr>
+          <p:nvPr/>
+        </p:nvPicPr>
+        <p:blipFill>
+          <a:blip r:embed="rId2">
+            <a:lum bright="-36000" contrast="78000"/>
+          </a:blip>
+          <a:stretch>
+            <a:fillRect/>
+          </a:stretch>
+        </p:blipFill>
+        <p:spPr>
+          <a:xfrm>
+            <a:off x="168910" y="1726565"/>
+            <a:ext cx="5269865" cy="3139440"/>
+          </a:xfrm>
+          <a:prstGeom prst="rect">
+            <a:avLst/>
+          </a:prstGeom>
+        </p:spPr>
+      </p:pic>
+      <p:sp>
+        <p:nvSpPr>
+          <p:cNvPr id="8" name="文本框 7"/>
+          <p:cNvSpPr txBox="1"/>
+          <p:nvPr/>
+        </p:nvSpPr>
+        <p:spPr>
+          <a:xfrm>
+            <a:off x="725170" y="5164455"/>
+            <a:ext cx="4487545" cy="368300"/>
+          </a:xfrm>
+          <a:prstGeom prst="rect">
+            <a:avLst/>
+          </a:prstGeom>
+          <a:noFill/>
+        </p:spPr>
+        <p:txBody>
+          <a:bodyPr wrap="square" rtlCol="0">
+            <a:spAutoFit/>
+          </a:bodyPr>
+          <a:p>
+            <a:r>
+              <a:rPr lang="en-US" altLang="zh-CN" b="1"/>
+              <a:t>Counter.mli</a:t>
+            </a:r>
+            <a:endParaRPr lang="en-US" altLang="zh-CN" b="1"/>
+          </a:p>
+        </p:txBody>
+      </p:sp>
+      <p:sp>
+        <p:nvSpPr>
+          <p:cNvPr id="9" name="文本框 8"/>
+          <p:cNvSpPr txBox="1"/>
+          <p:nvPr/>
+        </p:nvSpPr>
+        <p:spPr>
+          <a:xfrm>
+            <a:off x="6059805" y="5164455"/>
+            <a:ext cx="3541395" cy="368300"/>
+          </a:xfrm>
+          <a:prstGeom prst="rect">
+            <a:avLst/>
+          </a:prstGeom>
+          <a:noFill/>
+        </p:spPr>
+        <p:txBody>
+          <a:bodyPr wrap="square" rtlCol="0">
+            <a:spAutoFit/>
+          </a:bodyPr>
+          <a:p>
+            <a:r>
+              <a:rPr lang="en-US" altLang="zh-CN" b="1"/>
+              <a:t>Counter.ml</a:t>
+            </a:r>
+            <a:endParaRPr lang="en-US" altLang="zh-CN" b="1"/>
+          </a:p>
+        </p:txBody>
+      </p:sp>
+      <p:sp>
+        <p:nvSpPr>
+          <p:cNvPr id="5" name="文本框 4"/>
+          <p:cNvSpPr txBox="1"/>
+          <p:nvPr/>
+        </p:nvSpPr>
+        <p:spPr>
+          <a:xfrm>
+            <a:off x="257810" y="5940425"/>
+            <a:ext cx="11076940" cy="521970"/>
+          </a:xfrm>
+          <a:prstGeom prst="rect">
+            <a:avLst/>
+          </a:prstGeom>
+          <a:noFill/>
+        </p:spPr>
+        <p:txBody>
+          <a:bodyPr wrap="square" rtlCol="0">
+            <a:spAutoFit/>
+          </a:bodyPr>
+          <a:p>
+            <a:r>
+              <a:rPr lang="en-US" altLang="zh-CN" sz="2800" b="1"/>
+              <a:t>FIXED</a:t>
+            </a:r>
+            <a:endParaRPr lang="en-US" altLang="zh-CN" sz="2800" b="1"/>
+          </a:p>
+        </p:txBody>
+      </p:sp>
+    </p:spTree>
+  </p:cSld>
+  <p:clrMapOvr>
+    <a:masterClrMapping/>
+  </p:clrMapOvr>
+</p:sld>
+</file>
+
+<file path=ppt/slides/slide31.xml><?xml version="1.0" encoding="utf-8"?>
+<p:sld xmlns:a="http://schemas.openxmlformats.org/drawingml/2006/main" xmlns:r="http://schemas.openxmlformats.org/officeDocument/2006/relationships" xmlns:p="http://schemas.openxmlformats.org/presentationml/2006/main">
+  <p:cSld>
+    <p:spTree>
+      <p:nvGrpSpPr>
+        <p:cNvPr id="1" name=""/>
+        <p:cNvGrpSpPr/>
+        <p:nvPr/>
+      </p:nvGrpSpPr>
+      <p:grpSpPr/>
+      <p:sp>
+        <p:nvSpPr>
+          <p:cNvPr id="2" name="标题 1"/>
+          <p:cNvSpPr>
+            <a:spLocks noGrp="1"/>
+          </p:cNvSpPr>
+          <p:nvPr>
+            <p:ph type="title"/>
+          </p:nvPr>
+        </p:nvSpPr>
+        <p:spPr/>
+        <p:txBody>
+          <a:bodyPr/>
+          <a:p>
+            <a:r>
+              <a:rPr lang="zh-CN" altLang="en-US">
+                <a:sym typeface="+mn-ea"/>
+              </a:rPr>
+              <a:t>Signatures and Abstract Types</a:t>
+            </a:r>
+            <a:endParaRPr lang="zh-CN" altLang="en-US"/>
+          </a:p>
+        </p:txBody>
+      </p:sp>
+      <p:pic>
+        <p:nvPicPr>
+          <p:cNvPr id="4" name="内容占位符 3"/>
+          <p:cNvPicPr>
+            <a:picLocks noChangeAspect="1"/>
+          </p:cNvPicPr>
+          <p:nvPr>
+            <p:ph idx="1"/>
+          </p:nvPr>
+        </p:nvPicPr>
+        <p:blipFill>
+          <a:blip r:embed="rId1"/>
+          <a:stretch>
+            <a:fillRect/>
+          </a:stretch>
+        </p:blipFill>
+        <p:spPr>
+          <a:xfrm>
+            <a:off x="838200" y="1485900"/>
+            <a:ext cx="4181475" cy="3886200"/>
+          </a:xfrm>
+          <a:prstGeom prst="rect">
+            <a:avLst/>
+          </a:prstGeom>
+        </p:spPr>
+      </p:pic>
+      <p:pic>
+        <p:nvPicPr>
+          <p:cNvPr id="5" name="图片 4"/>
+          <p:cNvPicPr>
+            <a:picLocks noChangeAspect="1"/>
+          </p:cNvPicPr>
+          <p:nvPr/>
+        </p:nvPicPr>
+        <p:blipFill>
+          <a:blip r:embed="rId2"/>
+          <a:stretch>
+            <a:fillRect/>
+          </a:stretch>
+        </p:blipFill>
+        <p:spPr>
+          <a:xfrm>
+            <a:off x="838200" y="5372100"/>
+            <a:ext cx="9534525" cy="1466850"/>
+          </a:xfrm>
+          <a:prstGeom prst="rect">
+            <a:avLst/>
+          </a:prstGeom>
+        </p:spPr>
+      </p:pic>
+    </p:spTree>
+  </p:cSld>
+  <p:clrMapOvr>
+    <a:masterClrMapping/>
+  </p:clrMapOvr>
+</p:sld>
+</file>
+
+<file path=ppt/slides/slide32.xml><?xml version="1.0" encoding="utf-8"?>
+<p:sld xmlns:a="http://schemas.openxmlformats.org/drawingml/2006/main" xmlns:r="http://schemas.openxmlformats.org/officeDocument/2006/relationships" xmlns:p="http://schemas.openxmlformats.org/presentationml/2006/main">
+  <p:cSld>
+    <p:spTree>
+      <p:nvGrpSpPr>
+        <p:cNvPr id="1" name=""/>
+        <p:cNvGrpSpPr/>
+        <p:nvPr/>
+      </p:nvGrpSpPr>
+      <p:grpSpPr/>
+      <p:sp>
+        <p:nvSpPr>
+          <p:cNvPr id="2" name="标题 1"/>
+          <p:cNvSpPr>
+            <a:spLocks noGrp="1"/>
+          </p:cNvSpPr>
+          <p:nvPr>
+            <p:ph type="title"/>
+          </p:nvPr>
+        </p:nvSpPr>
+        <p:spPr/>
+        <p:txBody>
+          <a:bodyPr/>
+          <a:p>
+            <a:r>
+              <a:rPr lang="zh-CN" altLang="en-US"/>
+              <a:t>Concrete Types in Signatures</a:t>
+            </a:r>
+            <a:endParaRPr lang="zh-CN" altLang="en-US"/>
+          </a:p>
+        </p:txBody>
+      </p:sp>
+      <p:pic>
+        <p:nvPicPr>
+          <p:cNvPr id="4" name="内容占位符 3"/>
+          <p:cNvPicPr>
+            <a:picLocks noChangeAspect="1"/>
+          </p:cNvPicPr>
+          <p:nvPr>
+            <p:ph idx="1"/>
+          </p:nvPr>
+        </p:nvPicPr>
+        <p:blipFill>
+          <a:blip r:embed="rId1">
+            <a:lum bright="-12000" contrast="30000"/>
+          </a:blip>
+          <a:stretch>
+            <a:fillRect/>
+          </a:stretch>
+        </p:blipFill>
+        <p:spPr>
+          <a:xfrm>
+            <a:off x="140335" y="1287780"/>
+            <a:ext cx="7040245" cy="3281045"/>
+          </a:xfrm>
+          <a:prstGeom prst="rect">
+            <a:avLst/>
+          </a:prstGeom>
+        </p:spPr>
+      </p:pic>
+      <p:pic>
+        <p:nvPicPr>
+          <p:cNvPr id="5" name="图片 4"/>
+          <p:cNvPicPr>
+            <a:picLocks noChangeAspect="1"/>
+          </p:cNvPicPr>
+          <p:nvPr/>
+        </p:nvPicPr>
+        <p:blipFill>
+          <a:blip r:embed="rId2"/>
+          <a:stretch>
+            <a:fillRect/>
+          </a:stretch>
+        </p:blipFill>
+        <p:spPr>
+          <a:xfrm>
+            <a:off x="0" y="4972050"/>
+            <a:ext cx="8763000" cy="1885950"/>
+          </a:xfrm>
+          <a:prstGeom prst="rect">
+            <a:avLst/>
+          </a:prstGeom>
+        </p:spPr>
+      </p:pic>
+      <p:sp>
+        <p:nvSpPr>
+          <p:cNvPr id="6" name="文本框 5"/>
+          <p:cNvSpPr txBox="1"/>
+          <p:nvPr/>
+        </p:nvSpPr>
+        <p:spPr>
+          <a:xfrm>
+            <a:off x="8353425" y="1691005"/>
+            <a:ext cx="3838575" cy="368300"/>
+          </a:xfrm>
+          <a:prstGeom prst="rect">
+            <a:avLst/>
+          </a:prstGeom>
+          <a:noFill/>
+        </p:spPr>
+        <p:txBody>
+          <a:bodyPr wrap="square" rtlCol="0">
+            <a:spAutoFit/>
+          </a:bodyPr>
+          <a:p>
+            <a:r>
+              <a:rPr lang="en-US" altLang="zh-CN"/>
+              <a:t>add to counter.ml</a:t>
+            </a:r>
+            <a:endParaRPr lang="en-US" altLang="zh-CN"/>
+          </a:p>
+        </p:txBody>
+      </p:sp>
+      <p:sp>
+        <p:nvSpPr>
+          <p:cNvPr id="7" name="文本框 6"/>
+          <p:cNvSpPr txBox="1"/>
+          <p:nvPr/>
+        </p:nvSpPr>
+        <p:spPr>
+          <a:xfrm>
+            <a:off x="8480425" y="4864100"/>
+            <a:ext cx="3838575" cy="368300"/>
+          </a:xfrm>
+          <a:prstGeom prst="rect">
+            <a:avLst/>
+          </a:prstGeom>
+          <a:noFill/>
+        </p:spPr>
+        <p:txBody>
+          <a:bodyPr wrap="square" rtlCol="0">
+            <a:spAutoFit/>
+          </a:bodyPr>
+          <a:p>
+            <a:r>
+              <a:rPr lang="en-US" altLang="zh-CN"/>
+              <a:t>add to counter.mli</a:t>
+            </a:r>
+            <a:endParaRPr lang="en-US" altLang="zh-CN"/>
+          </a:p>
+        </p:txBody>
+      </p:sp>
+    </p:spTree>
+  </p:cSld>
+  <p:clrMapOvr>
+    <a:masterClrMapping/>
+  </p:clrMapOvr>
+</p:sld>
+</file>
+
+<file path=ppt/slides/slide33.xml><?xml version="1.0" encoding="utf-8"?>
+<p:sld xmlns:a="http://schemas.openxmlformats.org/drawingml/2006/main" xmlns:r="http://schemas.openxmlformats.org/officeDocument/2006/relationships" xmlns:p="http://schemas.openxmlformats.org/presentationml/2006/main">
+  <p:cSld>
+    <p:spTree>
+      <p:nvGrpSpPr>
+        <p:cNvPr id="1" name=""/>
+        <p:cNvGrpSpPr/>
+        <p:nvPr/>
+      </p:nvGrpSpPr>
+      <p:grpSpPr/>
+      <p:sp>
+        <p:nvSpPr>
+          <p:cNvPr id="2" name="标题 1"/>
+          <p:cNvSpPr>
+            <a:spLocks noGrp="1"/>
+          </p:cNvSpPr>
+          <p:nvPr>
+            <p:ph type="title"/>
+          </p:nvPr>
+        </p:nvSpPr>
+        <p:spPr/>
+        <p:txBody>
+          <a:bodyPr/>
+          <a:p>
+            <a:r>
+              <a:rPr lang="zh-CN" altLang="en-US"/>
+              <a:t>Nested Modules</a:t>
+            </a:r>
+            <a:endParaRPr lang="zh-CN" altLang="en-US"/>
+          </a:p>
+        </p:txBody>
+      </p:sp>
+      <p:pic>
+        <p:nvPicPr>
+          <p:cNvPr id="4" name="内容占位符 3"/>
+          <p:cNvPicPr>
+            <a:picLocks noChangeAspect="1"/>
+          </p:cNvPicPr>
+          <p:nvPr>
+            <p:ph idx="1"/>
+          </p:nvPr>
+        </p:nvPicPr>
+        <p:blipFill>
+          <a:blip r:embed="rId1"/>
+          <a:stretch>
+            <a:fillRect/>
+          </a:stretch>
+        </p:blipFill>
+        <p:spPr>
+          <a:xfrm>
+            <a:off x="949325" y="1844675"/>
+            <a:ext cx="6057900" cy="1181100"/>
+          </a:xfrm>
+          <a:prstGeom prst="rect">
+            <a:avLst/>
+          </a:prstGeom>
+        </p:spPr>
+      </p:pic>
+      <p:pic>
+        <p:nvPicPr>
+          <p:cNvPr id="5" name="图片 4"/>
+          <p:cNvPicPr>
+            <a:picLocks noChangeAspect="1"/>
+          </p:cNvPicPr>
+          <p:nvPr/>
+        </p:nvPicPr>
+        <p:blipFill>
+          <a:blip r:embed="rId2"/>
+          <a:stretch>
+            <a:fillRect/>
+          </a:stretch>
+        </p:blipFill>
+        <p:spPr>
+          <a:xfrm>
+            <a:off x="1160780" y="3462020"/>
+            <a:ext cx="3286125" cy="2952750"/>
+          </a:xfrm>
+          <a:prstGeom prst="rect">
+            <a:avLst/>
+          </a:prstGeom>
+        </p:spPr>
+      </p:pic>
+    </p:spTree>
+  </p:cSld>
+  <p:clrMapOvr>
+    <a:masterClrMapping/>
+  </p:clrMapOvr>
+</p:sld>
+</file>
+
+<file path=ppt/slides/slide34.xml><?xml version="1.0" encoding="utf-8"?>
+<p:sld xmlns:a="http://schemas.openxmlformats.org/drawingml/2006/main" xmlns:r="http://schemas.openxmlformats.org/officeDocument/2006/relationships" xmlns:p="http://schemas.openxmlformats.org/presentationml/2006/main">
+  <p:cSld>
+    <p:spTree>
+      <p:nvGrpSpPr>
+        <p:cNvPr id="1" name=""/>
+        <p:cNvGrpSpPr/>
+        <p:nvPr/>
+      </p:nvGrpSpPr>
+      <p:grpSpPr/>
+      <p:sp>
+        <p:nvSpPr>
+          <p:cNvPr id="2" name="标题 1"/>
+          <p:cNvSpPr>
+            <a:spLocks noGrp="1"/>
+          </p:cNvSpPr>
+          <p:nvPr>
+            <p:ph type="title"/>
+          </p:nvPr>
+        </p:nvSpPr>
+        <p:spPr/>
+        <p:txBody>
+          <a:bodyPr/>
+          <a:p>
+            <a:r>
+              <a:rPr lang="zh-CN" altLang="en-US">
+                <a:sym typeface="+mn-ea"/>
+              </a:rPr>
+              <a:t>Nested Modules</a:t>
+            </a:r>
+            <a:endParaRPr lang="zh-CN" altLang="en-US"/>
+          </a:p>
+        </p:txBody>
+      </p:sp>
+      <p:sp>
+        <p:nvSpPr>
+          <p:cNvPr id="3" name="内容占位符 2"/>
+          <p:cNvSpPr>
+            <a:spLocks noGrp="1"/>
+          </p:cNvSpPr>
+          <p:nvPr>
+            <p:ph idx="1"/>
+          </p:nvPr>
+        </p:nvSpPr>
+        <p:spPr>
+          <a:xfrm>
+            <a:off x="640715" y="1691005"/>
+            <a:ext cx="10515600" cy="4351338"/>
+          </a:xfrm>
+        </p:spPr>
+        <p:txBody>
+          <a:bodyPr/>
+          <a:p>
+            <a:r>
+              <a:rPr lang="en-US" altLang="zh-CN" sz="2400"/>
+              <a:t>the combination of signature and impletation</a:t>
+            </a:r>
+            <a:endParaRPr lang="en-US" altLang="zh-CN" sz="2400"/>
+          </a:p>
+        </p:txBody>
+      </p:sp>
+      <p:pic>
+        <p:nvPicPr>
+          <p:cNvPr id="5" name="图片 4"/>
+          <p:cNvPicPr>
+            <a:picLocks noChangeAspect="1"/>
+          </p:cNvPicPr>
+          <p:nvPr/>
+        </p:nvPicPr>
+        <p:blipFill>
+          <a:blip r:embed="rId1">
+            <a:lum bright="-30000" contrast="66000"/>
+          </a:blip>
+          <a:stretch>
+            <a:fillRect/>
+          </a:stretch>
+        </p:blipFill>
+        <p:spPr>
+          <a:xfrm>
+            <a:off x="6829425" y="1195070"/>
+            <a:ext cx="4326890" cy="5176520"/>
+          </a:xfrm>
+          <a:prstGeom prst="rect">
+            <a:avLst/>
+          </a:prstGeom>
+        </p:spPr>
+      </p:pic>
+      <p:sp>
+        <p:nvSpPr>
+          <p:cNvPr id="6" name="文本框 5"/>
+          <p:cNvSpPr txBox="1"/>
+          <p:nvPr/>
+        </p:nvSpPr>
+        <p:spPr>
+          <a:xfrm>
+            <a:off x="6984365" y="6448425"/>
+            <a:ext cx="3387090" cy="368300"/>
+          </a:xfrm>
+          <a:prstGeom prst="rect">
+            <a:avLst/>
+          </a:prstGeom>
+          <a:noFill/>
+        </p:spPr>
+        <p:txBody>
+          <a:bodyPr wrap="square" rtlCol="0">
+            <a:spAutoFit/>
+          </a:bodyPr>
+          <a:p>
+            <a:r>
+              <a:rPr lang="en-US" altLang="zh-CN" b="1"/>
+              <a:t>here is a bug!</a:t>
+            </a:r>
+            <a:endParaRPr lang="en-US" altLang="zh-CN" b="1"/>
+          </a:p>
+        </p:txBody>
+      </p:sp>
+    </p:spTree>
+  </p:cSld>
+  <p:clrMapOvr>
+    <a:masterClrMapping/>
+  </p:clrMapOvr>
+</p:sld>
+</file>
+
+<file path=ppt/slides/slide35.xml><?xml version="1.0" encoding="utf-8"?>
+<p:sld xmlns:a="http://schemas.openxmlformats.org/drawingml/2006/main" xmlns:r="http://schemas.openxmlformats.org/officeDocument/2006/relationships" xmlns:p="http://schemas.openxmlformats.org/presentationml/2006/main">
+  <p:cSld>
+    <p:spTree>
+      <p:nvGrpSpPr>
+        <p:cNvPr id="1" name=""/>
+        <p:cNvGrpSpPr/>
+        <p:nvPr/>
+      </p:nvGrpSpPr>
+      <p:grpSpPr/>
+      <p:sp>
+        <p:nvSpPr>
+          <p:cNvPr id="2" name="标题 1"/>
+          <p:cNvSpPr>
+            <a:spLocks noGrp="1"/>
+          </p:cNvSpPr>
+          <p:nvPr>
+            <p:ph type="title"/>
+          </p:nvPr>
+        </p:nvSpPr>
+        <p:spPr/>
+        <p:txBody>
+          <a:bodyPr/>
+          <a:p>
+            <a:r>
+              <a:rPr lang="zh-CN" altLang="en-US"/>
+              <a:t>Opening Modules</a:t>
+            </a:r>
+            <a:endParaRPr lang="zh-CN" altLang="en-US"/>
+          </a:p>
+        </p:txBody>
+      </p:sp>
+      <p:sp>
+        <p:nvSpPr>
+          <p:cNvPr id="3" name="内容占位符 2"/>
+          <p:cNvSpPr>
+            <a:spLocks noGrp="1"/>
+          </p:cNvSpPr>
+          <p:nvPr>
+            <p:ph idx="1"/>
+          </p:nvPr>
+        </p:nvSpPr>
+        <p:spPr/>
+        <p:txBody>
+          <a:bodyPr/>
+          <a:p>
+            <a:r>
+              <a:rPr lang="zh-CN" altLang="en-US"/>
+              <a:t>In general, opening a module adds the contents of that module to the environment that the compiler looks at to find the definition of various identifiers</a:t>
+            </a:r>
+            <a:endParaRPr lang="zh-CN" altLang="en-US"/>
+          </a:p>
+        </p:txBody>
+      </p:sp>
+      <p:pic>
+        <p:nvPicPr>
+          <p:cNvPr id="5" name="图片 4"/>
+          <p:cNvPicPr>
+            <a:picLocks noChangeAspect="1"/>
+          </p:cNvPicPr>
+          <p:nvPr/>
+        </p:nvPicPr>
+        <p:blipFill>
+          <a:blip r:embed="rId1"/>
+          <a:stretch>
+            <a:fillRect/>
+          </a:stretch>
+        </p:blipFill>
+        <p:spPr>
+          <a:xfrm>
+            <a:off x="1009015" y="3075940"/>
+            <a:ext cx="4133850" cy="2200275"/>
+          </a:xfrm>
+          <a:prstGeom prst="rect">
+            <a:avLst/>
+          </a:prstGeom>
+        </p:spPr>
+      </p:pic>
+    </p:spTree>
+  </p:cSld>
+  <p:clrMapOvr>
+    <a:masterClrMapping/>
+  </p:clrMapOvr>
+</p:sld>
+</file>
+
+<file path=ppt/slides/slide36.xml><?xml version="1.0" encoding="utf-8"?>
+<p:sld xmlns:a="http://schemas.openxmlformats.org/drawingml/2006/main" xmlns:r="http://schemas.openxmlformats.org/officeDocument/2006/relationships" xmlns:p="http://schemas.openxmlformats.org/presentationml/2006/main">
+  <p:cSld>
+    <p:spTree>
+      <p:nvGrpSpPr>
+        <p:cNvPr id="1" name=""/>
+        <p:cNvGrpSpPr/>
+        <p:nvPr/>
+      </p:nvGrpSpPr>
+      <p:grpSpPr/>
+      <p:sp>
+        <p:nvSpPr>
+          <p:cNvPr id="2" name="标题 1"/>
+          <p:cNvSpPr>
+            <a:spLocks noGrp="1"/>
+          </p:cNvSpPr>
+          <p:nvPr>
+            <p:ph type="title"/>
+          </p:nvPr>
+        </p:nvSpPr>
+        <p:spPr/>
+        <p:txBody>
+          <a:bodyPr/>
+          <a:p>
+            <a:r>
+              <a:rPr lang="zh-CN" altLang="en-US">
+                <a:sym typeface="+mn-ea"/>
+              </a:rPr>
+              <a:t>Opening Modules</a:t>
+            </a:r>
+            <a:endParaRPr lang="zh-CN" altLang="en-US"/>
+          </a:p>
+        </p:txBody>
+      </p:sp>
+      <p:pic>
+        <p:nvPicPr>
+          <p:cNvPr id="4" name="内容占位符 3"/>
+          <p:cNvPicPr>
+            <a:picLocks noChangeAspect="1"/>
+          </p:cNvPicPr>
+          <p:nvPr>
+            <p:ph idx="1"/>
+          </p:nvPr>
+        </p:nvPicPr>
+        <p:blipFill>
+          <a:blip r:embed="rId1"/>
+          <a:stretch>
+            <a:fillRect/>
+          </a:stretch>
+        </p:blipFill>
+        <p:spPr>
+          <a:xfrm>
+            <a:off x="838200" y="2506345"/>
+            <a:ext cx="9538970" cy="4351655"/>
+          </a:xfrm>
+          <a:prstGeom prst="rect">
+            <a:avLst/>
+          </a:prstGeom>
+        </p:spPr>
+      </p:pic>
+      <p:sp>
+        <p:nvSpPr>
+          <p:cNvPr id="5" name="文本框 4"/>
+          <p:cNvSpPr txBox="1"/>
+          <p:nvPr/>
+        </p:nvSpPr>
+        <p:spPr>
+          <a:xfrm>
+            <a:off x="902970" y="1692910"/>
+            <a:ext cx="4783455" cy="460375"/>
+          </a:xfrm>
+          <a:prstGeom prst="rect">
+            <a:avLst/>
+          </a:prstGeom>
+          <a:noFill/>
+        </p:spPr>
+        <p:txBody>
+          <a:bodyPr wrap="square" rtlCol="0">
+            <a:spAutoFit/>
+          </a:bodyPr>
+          <a:p>
+            <a:r>
+              <a:rPr lang="en-US" altLang="zh-CN" sz="2400" b="1"/>
+              <a:t>local opening</a:t>
+            </a:r>
+            <a:endParaRPr lang="en-US" altLang="zh-CN" sz="2400" b="1"/>
+          </a:p>
+        </p:txBody>
+      </p:sp>
+    </p:spTree>
+  </p:cSld>
+  <p:clrMapOvr>
+    <a:masterClrMapping/>
+  </p:clrMapOvr>
+</p:sld>
+</file>
+
+<file path=ppt/slides/slide37.xml><?xml version="1.0" encoding="utf-8"?>
+<p:sld xmlns:a="http://schemas.openxmlformats.org/drawingml/2006/main" xmlns:r="http://schemas.openxmlformats.org/officeDocument/2006/relationships" xmlns:p="http://schemas.openxmlformats.org/presentationml/2006/main">
+  <p:cSld>
+    <p:spTree>
+      <p:nvGrpSpPr>
+        <p:cNvPr id="1" name=""/>
+        <p:cNvGrpSpPr/>
+        <p:nvPr/>
+      </p:nvGrpSpPr>
+      <p:grpSpPr/>
+      <p:sp>
+        <p:nvSpPr>
+          <p:cNvPr id="2" name="标题 1"/>
+          <p:cNvSpPr>
+            <a:spLocks noGrp="1"/>
+          </p:cNvSpPr>
+          <p:nvPr>
+            <p:ph type="title"/>
+          </p:nvPr>
+        </p:nvSpPr>
+        <p:spPr/>
+        <p:txBody>
+          <a:bodyPr/>
+          <a:p>
+            <a:r>
+              <a:rPr lang="zh-CN" altLang="en-US"/>
+              <a:t>Including Modules</a:t>
+            </a:r>
+            <a:endParaRPr lang="zh-CN" altLang="en-US"/>
+          </a:p>
+        </p:txBody>
+      </p:sp>
+      <p:pic>
+        <p:nvPicPr>
+          <p:cNvPr id="4" name="内容占位符 3"/>
+          <p:cNvPicPr>
+            <a:picLocks noChangeAspect="1"/>
+          </p:cNvPicPr>
+          <p:nvPr>
+            <p:ph idx="1"/>
+          </p:nvPr>
+        </p:nvPicPr>
+        <p:blipFill>
+          <a:blip r:embed="rId1"/>
+          <a:srcRect t="3895"/>
+          <a:stretch>
+            <a:fillRect/>
+          </a:stretch>
+        </p:blipFill>
+        <p:spPr>
+          <a:xfrm>
+            <a:off x="838200" y="1290320"/>
+            <a:ext cx="7654290" cy="2163445"/>
+          </a:xfrm>
+          <a:prstGeom prst="rect">
+            <a:avLst/>
+          </a:prstGeom>
+        </p:spPr>
+      </p:pic>
+      <p:pic>
+        <p:nvPicPr>
+          <p:cNvPr id="6" name="图片 5"/>
+          <p:cNvPicPr>
+            <a:picLocks noChangeAspect="1"/>
+          </p:cNvPicPr>
+          <p:nvPr/>
+        </p:nvPicPr>
+        <p:blipFill>
+          <a:blip r:embed="rId2"/>
+          <a:stretch>
+            <a:fillRect/>
+          </a:stretch>
+        </p:blipFill>
+        <p:spPr>
+          <a:xfrm>
+            <a:off x="838200" y="3453765"/>
+            <a:ext cx="5282565" cy="3338195"/>
+          </a:xfrm>
+          <a:prstGeom prst="rect">
+            <a:avLst/>
+          </a:prstGeom>
+        </p:spPr>
+      </p:pic>
+      <p:sp>
+        <p:nvSpPr>
+          <p:cNvPr id="7" name="文本框 6"/>
+          <p:cNvSpPr txBox="1"/>
+          <p:nvPr/>
+        </p:nvSpPr>
+        <p:spPr>
+          <a:xfrm>
+            <a:off x="6702425" y="3668395"/>
+            <a:ext cx="5023485" cy="645160"/>
+          </a:xfrm>
+          <a:prstGeom prst="rect">
+            <a:avLst/>
+          </a:prstGeom>
+          <a:noFill/>
+        </p:spPr>
+        <p:txBody>
+          <a:bodyPr wrap="square" rtlCol="0">
+            <a:spAutoFit/>
+          </a:bodyPr>
+          <a:p>
+            <a:r>
+              <a:rPr lang="zh-CN" altLang="en-US" b="1"/>
+              <a:t>We can use the include directive to create a new, extended version of the </a:t>
+            </a:r>
+            <a:r>
+              <a:rPr lang="en-US" altLang="zh-CN" b="1"/>
+              <a:t>existing </a:t>
+            </a:r>
+            <a:r>
+              <a:rPr lang="zh-CN" altLang="en-US" b="1"/>
+              <a:t>module</a:t>
+            </a:r>
+            <a:endParaRPr lang="zh-CN" altLang="en-US" b="1"/>
+          </a:p>
+        </p:txBody>
+      </p:sp>
+    </p:spTree>
+  </p:cSld>
+  <p:clrMapOvr>
+    <a:masterClrMapping/>
+  </p:clrMapOvr>
+</p:sld>
+</file>
+
+<file path=ppt/slides/slide38.xml><?xml version="1.0" encoding="utf-8"?>
+<p:sld xmlns:a="http://schemas.openxmlformats.org/drawingml/2006/main" xmlns:r="http://schemas.openxmlformats.org/officeDocument/2006/relationships" xmlns:p="http://schemas.openxmlformats.org/presentationml/2006/main">
+  <p:cSld>
+    <p:spTree>
+      <p:nvGrpSpPr>
+        <p:cNvPr id="1" name=""/>
+        <p:cNvGrpSpPr/>
+        <p:nvPr/>
+      </p:nvGrpSpPr>
+      <p:grpSpPr/>
+      <p:sp>
+        <p:nvSpPr>
+          <p:cNvPr id="2" name="标题 1"/>
+          <p:cNvSpPr>
+            <a:spLocks noGrp="1"/>
+          </p:cNvSpPr>
+          <p:nvPr>
+            <p:ph type="title"/>
+          </p:nvPr>
+        </p:nvSpPr>
+        <p:spPr/>
+        <p:txBody>
+          <a:bodyPr/>
+          <a:p>
+            <a:r>
+              <a:rPr lang="zh-CN" altLang="en-US">
+                <a:sym typeface="+mn-ea"/>
+              </a:rPr>
+              <a:t>Including Modules</a:t>
+            </a:r>
+            <a:endParaRPr lang="zh-CN" altLang="en-US"/>
+          </a:p>
+        </p:txBody>
+      </p:sp>
+      <p:pic>
+        <p:nvPicPr>
+          <p:cNvPr id="4" name="内容占位符 3"/>
+          <p:cNvPicPr>
+            <a:picLocks noChangeAspect="1"/>
+          </p:cNvPicPr>
+          <p:nvPr>
+            <p:ph idx="1"/>
+          </p:nvPr>
+        </p:nvPicPr>
+        <p:blipFill>
+          <a:blip r:embed="rId1"/>
+          <a:stretch>
+            <a:fillRect/>
+          </a:stretch>
+        </p:blipFill>
+        <p:spPr>
+          <a:xfrm>
+            <a:off x="697230" y="1691005"/>
+            <a:ext cx="5501640" cy="2436495"/>
+          </a:xfrm>
+          <a:prstGeom prst="rect">
+            <a:avLst/>
+          </a:prstGeom>
+        </p:spPr>
+      </p:pic>
+      <p:pic>
+        <p:nvPicPr>
+          <p:cNvPr id="5" name="图片 4"/>
+          <p:cNvPicPr>
+            <a:picLocks noChangeAspect="1"/>
+          </p:cNvPicPr>
+          <p:nvPr/>
+        </p:nvPicPr>
+        <p:blipFill>
+          <a:blip r:embed="rId2"/>
+          <a:stretch>
+            <a:fillRect/>
+          </a:stretch>
+        </p:blipFill>
+        <p:spPr>
+          <a:xfrm>
+            <a:off x="838200" y="4597400"/>
+            <a:ext cx="6096000" cy="1838325"/>
+          </a:xfrm>
+          <a:prstGeom prst="rect">
+            <a:avLst/>
+          </a:prstGeom>
+        </p:spPr>
+      </p:pic>
+      <p:sp>
+        <p:nvSpPr>
+          <p:cNvPr id="6" name="文本框 5"/>
+          <p:cNvSpPr txBox="1"/>
+          <p:nvPr/>
+        </p:nvSpPr>
+        <p:spPr>
+          <a:xfrm>
+            <a:off x="6518910" y="1678940"/>
+            <a:ext cx="4783455" cy="368300"/>
+          </a:xfrm>
+          <a:prstGeom prst="rect">
+            <a:avLst/>
+          </a:prstGeom>
+          <a:noFill/>
+        </p:spPr>
+        <p:txBody>
+          <a:bodyPr wrap="square" rtlCol="0">
+            <a:spAutoFit/>
+          </a:bodyPr>
+          <a:p>
+            <a:r>
+              <a:rPr lang="en-US" altLang="zh-CN"/>
+              <a:t>extended List module.ml</a:t>
+            </a:r>
+            <a:endParaRPr lang="en-US" altLang="zh-CN"/>
+          </a:p>
+        </p:txBody>
+      </p:sp>
+      <p:sp>
+        <p:nvSpPr>
+          <p:cNvPr id="7" name="文本框 6"/>
+          <p:cNvSpPr txBox="1"/>
+          <p:nvPr/>
+        </p:nvSpPr>
+        <p:spPr>
+          <a:xfrm>
+            <a:off x="6617970" y="4585970"/>
+            <a:ext cx="3978910" cy="368300"/>
+          </a:xfrm>
+          <a:prstGeom prst="rect">
+            <a:avLst/>
+          </a:prstGeom>
+          <a:noFill/>
+        </p:spPr>
+        <p:txBody>
+          <a:bodyPr wrap="square" rtlCol="0">
+            <a:spAutoFit/>
+          </a:bodyPr>
+          <a:p>
+            <a:r>
+              <a:rPr lang="en-US" altLang="zh-CN"/>
+              <a:t>extended List module.mli (signature)</a:t>
+            </a:r>
+            <a:endParaRPr lang="en-US" altLang="zh-CN"/>
+          </a:p>
+        </p:txBody>
+      </p:sp>
+    </p:spTree>
+  </p:cSld>
+  <p:clrMapOvr>
+    <a:masterClrMapping/>
+  </p:clrMapOvr>
+</p:sld>
+</file>
+
+<file path=ppt/slides/slide39.xml><?xml version="1.0" encoding="utf-8"?>
+<p:sld xmlns:a="http://schemas.openxmlformats.org/drawingml/2006/main" xmlns:r="http://schemas.openxmlformats.org/officeDocument/2006/relationships" xmlns:p="http://schemas.openxmlformats.org/presentationml/2006/main">
+  <p:cSld>
+    <p:spTree>
+      <p:nvGrpSpPr>
+        <p:cNvPr id="1" name=""/>
+        <p:cNvGrpSpPr/>
+        <p:nvPr/>
+      </p:nvGrpSpPr>
+      <p:grpSpPr/>
+      <p:sp>
+        <p:nvSpPr>
+          <p:cNvPr id="2" name="标题 1"/>
+          <p:cNvSpPr>
+            <a:spLocks noGrp="1"/>
+          </p:cNvSpPr>
+          <p:nvPr>
+            <p:ph type="title"/>
+          </p:nvPr>
+        </p:nvSpPr>
+        <p:spPr/>
+        <p:txBody>
+          <a:bodyPr/>
+          <a:p>
+            <a:r>
+              <a:rPr lang="zh-CN" altLang="en-US"/>
+              <a:t>Common Errors with Modules</a:t>
+            </a:r>
+            <a:endParaRPr lang="zh-CN" altLang="en-US"/>
+          </a:p>
+        </p:txBody>
+      </p:sp>
+      <p:sp>
+        <p:nvSpPr>
+          <p:cNvPr id="3" name="内容占位符 2"/>
+          <p:cNvSpPr>
+            <a:spLocks noGrp="1"/>
+          </p:cNvSpPr>
+          <p:nvPr>
+            <p:ph idx="1"/>
+          </p:nvPr>
+        </p:nvSpPr>
+        <p:spPr/>
+        <p:txBody>
+          <a:bodyPr/>
+          <a:p>
+            <a:r>
+              <a:rPr lang="zh-CN" altLang="en-US"/>
+              <a:t>cyclic dependencies between modules are not allowed, and cyclic dependencies among files are never allowed.</a:t>
+            </a:r>
+            <a:endParaRPr lang="zh-CN" altLang="en-US"/>
           </a:p>
         </p:txBody>
       </p:sp>
@@ -4128,6 +6292,431 @@
           </a:p>
           <a:p>
             <a:endParaRPr lang="en-US"/>
+          </a:p>
+        </p:txBody>
+      </p:sp>
+    </p:spTree>
+  </p:cSld>
+  <p:clrMapOvr>
+    <a:masterClrMapping/>
+  </p:clrMapOvr>
+</p:sld>
+</file>
+
+<file path=ppt/slides/slide40.xml><?xml version="1.0" encoding="utf-8"?>
+<p:sld xmlns:a="http://schemas.openxmlformats.org/drawingml/2006/main" xmlns:r="http://schemas.openxmlformats.org/officeDocument/2006/relationships" xmlns:p="http://schemas.openxmlformats.org/presentationml/2006/main">
+  <p:cSld>
+    <p:spTree>
+      <p:nvGrpSpPr>
+        <p:cNvPr id="1" name=""/>
+        <p:cNvGrpSpPr/>
+        <p:nvPr/>
+      </p:nvGrpSpPr>
+      <p:grpSpPr/>
+      <p:sp>
+        <p:nvSpPr>
+          <p:cNvPr id="2" name="标题 1"/>
+          <p:cNvSpPr>
+            <a:spLocks noGrp="1"/>
+          </p:cNvSpPr>
+          <p:nvPr>
+            <p:ph type="ctrTitle"/>
+          </p:nvPr>
+        </p:nvSpPr>
+        <p:spPr/>
+        <p:txBody>
+          <a:bodyPr/>
+          <a:p>
+            <a:r>
+              <a:rPr lang="zh-CN" altLang="en-US"/>
+              <a:t>Records</a:t>
+            </a:r>
+            <a:endParaRPr lang="zh-CN" altLang="en-US"/>
+          </a:p>
+        </p:txBody>
+      </p:sp>
+      <p:sp>
+        <p:nvSpPr>
+          <p:cNvPr id="4" name="副标题 3"/>
+          <p:cNvSpPr>
+            <a:spLocks noGrp="1"/>
+          </p:cNvSpPr>
+          <p:nvPr>
+            <p:ph type="subTitle" idx="1"/>
+          </p:nvPr>
+        </p:nvSpPr>
+        <p:spPr/>
+        <p:txBody>
+          <a:bodyPr/>
+          <a:p>
+            <a:endParaRPr lang="zh-CN" altLang="en-US"/>
+          </a:p>
+        </p:txBody>
+      </p:sp>
+    </p:spTree>
+  </p:cSld>
+  <p:clrMapOvr>
+    <a:masterClrMapping/>
+  </p:clrMapOvr>
+</p:sld>
+</file>
+
+<file path=ppt/slides/slide41.xml><?xml version="1.0" encoding="utf-8"?>
+<p:sld xmlns:a="http://schemas.openxmlformats.org/drawingml/2006/main" xmlns:r="http://schemas.openxmlformats.org/officeDocument/2006/relationships" xmlns:p="http://schemas.openxmlformats.org/presentationml/2006/main">
+  <p:cSld>
+    <p:spTree>
+      <p:nvGrpSpPr>
+        <p:cNvPr id="1" name=""/>
+        <p:cNvGrpSpPr/>
+        <p:nvPr/>
+      </p:nvGrpSpPr>
+      <p:grpSpPr/>
+      <p:sp>
+        <p:nvSpPr>
+          <p:cNvPr id="2" name="标题 1"/>
+          <p:cNvSpPr>
+            <a:spLocks noGrp="1"/>
+          </p:cNvSpPr>
+          <p:nvPr>
+            <p:ph type="title"/>
+          </p:nvPr>
+        </p:nvSpPr>
+        <p:spPr/>
+        <p:txBody>
+          <a:bodyPr/>
+          <a:p>
+            <a:r>
+              <a:rPr lang="zh-CN" altLang="en-US"/>
+              <a:t>Records</a:t>
+            </a:r>
+            <a:endParaRPr lang="zh-CN" altLang="en-US"/>
+          </a:p>
+        </p:txBody>
+      </p:sp>
+      <p:sp>
+        <p:nvSpPr>
+          <p:cNvPr id="3" name="内容占位符 2"/>
+          <p:cNvSpPr>
+            <a:spLocks noGrp="1"/>
+          </p:cNvSpPr>
+          <p:nvPr>
+            <p:ph idx="1"/>
+          </p:nvPr>
+        </p:nvSpPr>
+        <p:spPr/>
+        <p:txBody>
+          <a:bodyPr/>
+          <a:p>
+            <a:r>
+              <a:rPr lang="zh-CN" altLang="en-US"/>
+              <a:t>record field names must start with a lowercase letter</a:t>
+            </a:r>
+            <a:endParaRPr lang="zh-CN" altLang="en-US"/>
+          </a:p>
+          <a:p>
+            <a:r>
+              <a:rPr lang="zh-CN" altLang="en-US"/>
+              <a:t>record </a:t>
+            </a:r>
+            <a:r>
+              <a:rPr lang="zh-CN" altLang="en-US">
+                <a:solidFill>
+                  <a:srgbClr val="FF0000"/>
+                </a:solidFill>
+              </a:rPr>
+              <a:t>patterns </a:t>
+            </a:r>
+            <a:r>
+              <a:rPr lang="zh-CN" altLang="en-US"/>
+              <a:t>are irrefutable</a:t>
+            </a:r>
+            <a:r>
+              <a:rPr lang="en-US" altLang="zh-CN"/>
+              <a:t>,a pattern can mention only a subset of the fields in the record.</a:t>
+            </a:r>
+            <a:endParaRPr lang="en-US" altLang="zh-CN"/>
+          </a:p>
+        </p:txBody>
+      </p:sp>
+    </p:spTree>
+  </p:cSld>
+  <p:clrMapOvr>
+    <a:masterClrMapping/>
+  </p:clrMapOvr>
+</p:sld>
+</file>
+
+<file path=ppt/slides/slide42.xml><?xml version="1.0" encoding="utf-8"?>
+<p:sld xmlns:a="http://schemas.openxmlformats.org/drawingml/2006/main" xmlns:r="http://schemas.openxmlformats.org/officeDocument/2006/relationships" xmlns:p="http://schemas.openxmlformats.org/presentationml/2006/main">
+  <p:cSld>
+    <p:spTree>
+      <p:nvGrpSpPr>
+        <p:cNvPr id="1" name=""/>
+        <p:cNvGrpSpPr/>
+        <p:nvPr/>
+      </p:nvGrpSpPr>
+      <p:grpSpPr/>
+      <p:sp>
+        <p:nvSpPr>
+          <p:cNvPr id="2" name="标题 1"/>
+          <p:cNvSpPr>
+            <a:spLocks noGrp="1"/>
+          </p:cNvSpPr>
+          <p:nvPr>
+            <p:ph type="ctrTitle"/>
+          </p:nvPr>
+        </p:nvSpPr>
+        <p:spPr/>
+        <p:txBody>
+          <a:bodyPr/>
+          <a:p>
+            <a:r>
+              <a:rPr lang="zh-CN" altLang="en-US"/>
+              <a:t>Variants</a:t>
+            </a:r>
+            <a:endParaRPr lang="zh-CN" altLang="en-US"/>
+          </a:p>
+        </p:txBody>
+      </p:sp>
+      <p:sp>
+        <p:nvSpPr>
+          <p:cNvPr id="4" name="副标题 3"/>
+          <p:cNvSpPr>
+            <a:spLocks noGrp="1"/>
+          </p:cNvSpPr>
+          <p:nvPr>
+            <p:ph type="subTitle" idx="1"/>
+          </p:nvPr>
+        </p:nvSpPr>
+        <p:spPr/>
+        <p:txBody>
+          <a:bodyPr/>
+          <a:p>
+            <a:endParaRPr lang="zh-CN" altLang="en-US"/>
+          </a:p>
+        </p:txBody>
+      </p:sp>
+    </p:spTree>
+  </p:cSld>
+  <p:clrMapOvr>
+    <a:masterClrMapping/>
+  </p:clrMapOvr>
+</p:sld>
+</file>
+
+<file path=ppt/slides/slide43.xml><?xml version="1.0" encoding="utf-8"?>
+<p:sld xmlns:a="http://schemas.openxmlformats.org/drawingml/2006/main" xmlns:r="http://schemas.openxmlformats.org/officeDocument/2006/relationships" xmlns:p="http://schemas.openxmlformats.org/presentationml/2006/main">
+  <p:cSld>
+    <p:spTree>
+      <p:nvGrpSpPr>
+        <p:cNvPr id="1" name=""/>
+        <p:cNvGrpSpPr/>
+        <p:nvPr/>
+      </p:nvGrpSpPr>
+      <p:grpSpPr/>
+      <p:sp>
+        <p:nvSpPr>
+          <p:cNvPr id="2" name="标题 1"/>
+          <p:cNvSpPr>
+            <a:spLocks noGrp="1"/>
+          </p:cNvSpPr>
+          <p:nvPr>
+            <p:ph type="title"/>
+          </p:nvPr>
+        </p:nvSpPr>
+        <p:spPr/>
+        <p:txBody>
+          <a:bodyPr/>
+          <a:p>
+            <a:endParaRPr lang="zh-CN" altLang="en-US"/>
+          </a:p>
+        </p:txBody>
+      </p:sp>
+      <p:sp>
+        <p:nvSpPr>
+          <p:cNvPr id="3" name="内容占位符 2"/>
+          <p:cNvSpPr>
+            <a:spLocks noGrp="1"/>
+          </p:cNvSpPr>
+          <p:nvPr>
+            <p:ph idx="1"/>
+          </p:nvPr>
+        </p:nvSpPr>
+        <p:spPr/>
+        <p:txBody>
+          <a:bodyPr/>
+          <a:p>
+            <a:endParaRPr lang="zh-CN" altLang="en-US"/>
+          </a:p>
+        </p:txBody>
+      </p:sp>
+    </p:spTree>
+  </p:cSld>
+  <p:clrMapOvr>
+    <a:masterClrMapping/>
+  </p:clrMapOvr>
+</p:sld>
+</file>
+
+<file path=ppt/slides/slide44.xml><?xml version="1.0" encoding="utf-8"?>
+<p:sld xmlns:a="http://schemas.openxmlformats.org/drawingml/2006/main" xmlns:r="http://schemas.openxmlformats.org/officeDocument/2006/relationships" xmlns:p="http://schemas.openxmlformats.org/presentationml/2006/main">
+  <p:cSld>
+    <p:spTree>
+      <p:nvGrpSpPr>
+        <p:cNvPr id="1" name=""/>
+        <p:cNvGrpSpPr/>
+        <p:nvPr/>
+      </p:nvGrpSpPr>
+      <p:grpSpPr/>
+      <p:sp>
+        <p:nvSpPr>
+          <p:cNvPr id="2" name="标题 1"/>
+          <p:cNvSpPr>
+            <a:spLocks noGrp="1"/>
+          </p:cNvSpPr>
+          <p:nvPr>
+            <p:ph type="ctrTitle"/>
+          </p:nvPr>
+        </p:nvSpPr>
+        <p:spPr/>
+        <p:txBody>
+          <a:bodyPr/>
+          <a:p>
+            <a:r>
+              <a:rPr lang="zh-CN" altLang="en-US"/>
+              <a:t>Error Handling</a:t>
+            </a:r>
+            <a:endParaRPr lang="zh-CN" altLang="en-US"/>
+          </a:p>
+        </p:txBody>
+      </p:sp>
+      <p:sp>
+        <p:nvSpPr>
+          <p:cNvPr id="4" name="副标题 3"/>
+          <p:cNvSpPr>
+            <a:spLocks noGrp="1"/>
+          </p:cNvSpPr>
+          <p:nvPr>
+            <p:ph type="subTitle" idx="1"/>
+          </p:nvPr>
+        </p:nvSpPr>
+        <p:spPr/>
+        <p:txBody>
+          <a:bodyPr/>
+          <a:p>
+            <a:endParaRPr lang="zh-CN" altLang="en-US"/>
+          </a:p>
+        </p:txBody>
+      </p:sp>
+    </p:spTree>
+  </p:cSld>
+  <p:clrMapOvr>
+    <a:masterClrMapping/>
+  </p:clrMapOvr>
+</p:sld>
+</file>
+
+<file path=ppt/slides/slide45.xml><?xml version="1.0" encoding="utf-8"?>
+<p:sld xmlns:a="http://schemas.openxmlformats.org/drawingml/2006/main" xmlns:r="http://schemas.openxmlformats.org/officeDocument/2006/relationships" xmlns:p="http://schemas.openxmlformats.org/presentationml/2006/main">
+  <p:cSld>
+    <p:spTree>
+      <p:nvGrpSpPr>
+        <p:cNvPr id="1" name=""/>
+        <p:cNvGrpSpPr/>
+        <p:nvPr/>
+      </p:nvGrpSpPr>
+      <p:grpSpPr/>
+      <p:sp>
+        <p:nvSpPr>
+          <p:cNvPr id="2" name="标题 1"/>
+          <p:cNvSpPr>
+            <a:spLocks noGrp="1"/>
+          </p:cNvSpPr>
+          <p:nvPr>
+            <p:ph type="title"/>
+          </p:nvPr>
+        </p:nvSpPr>
+        <p:spPr/>
+        <p:txBody>
+          <a:bodyPr/>
+          <a:p>
+            <a:endParaRPr lang="zh-CN" altLang="en-US"/>
+          </a:p>
+        </p:txBody>
+      </p:sp>
+      <p:sp>
+        <p:nvSpPr>
+          <p:cNvPr id="3" name="内容占位符 2"/>
+          <p:cNvSpPr>
+            <a:spLocks noGrp="1"/>
+          </p:cNvSpPr>
+          <p:nvPr>
+            <p:ph idx="1"/>
+          </p:nvPr>
+        </p:nvSpPr>
+        <p:spPr/>
+        <p:txBody>
+          <a:bodyPr/>
+          <a:p>
+            <a:endParaRPr lang="zh-CN" altLang="en-US"/>
+          </a:p>
+        </p:txBody>
+      </p:sp>
+    </p:spTree>
+  </p:cSld>
+  <p:clrMapOvr>
+    <a:masterClrMapping/>
+  </p:clrMapOvr>
+</p:sld>
+</file>
+
+<file path=ppt/slides/slide46.xml><?xml version="1.0" encoding="utf-8"?>
+<p:sld xmlns:a="http://schemas.openxmlformats.org/drawingml/2006/main" xmlns:r="http://schemas.openxmlformats.org/officeDocument/2006/relationships" xmlns:p="http://schemas.openxmlformats.org/presentationml/2006/main">
+  <p:cSld>
+    <p:spTree>
+      <p:nvGrpSpPr>
+        <p:cNvPr id="1" name=""/>
+        <p:cNvGrpSpPr/>
+        <p:nvPr/>
+      </p:nvGrpSpPr>
+      <p:grpSpPr/>
+      <p:sp>
+        <p:nvSpPr>
+          <p:cNvPr id="2" name="标题 1"/>
+          <p:cNvSpPr>
+            <a:spLocks noGrp="1"/>
+          </p:cNvSpPr>
+          <p:nvPr>
+            <p:ph type="ctrTitle"/>
+          </p:nvPr>
+        </p:nvSpPr>
+        <p:spPr/>
+        <p:txBody>
+          <a:bodyPr/>
+          <a:p>
+            <a:r>
+              <a:rPr lang="en-US" altLang="zh-CN"/>
+              <a:t>S-expression</a:t>
+            </a:r>
+            <a:endParaRPr lang="en-US" altLang="zh-CN"/>
+          </a:p>
+        </p:txBody>
+      </p:sp>
+      <p:sp>
+        <p:nvSpPr>
+          <p:cNvPr id="3" name="副标题 2"/>
+          <p:cNvSpPr>
+            <a:spLocks noGrp="1"/>
+          </p:cNvSpPr>
+          <p:nvPr>
+            <p:ph type="subTitle" idx="1"/>
+          </p:nvPr>
+        </p:nvSpPr>
+        <p:spPr/>
+        <p:txBody>
+          <a:bodyPr/>
+          <a:p>
+            <a:endParaRPr lang="zh-CN" altLang="en-US"/>
           </a:p>
         </p:txBody>
       </p:sp>
